--- a/Presentation1.pptx
+++ b/Presentation1.pptx
@@ -8,24 +8,23 @@
     <p:sldId id="256" r:id="rId2"/>
     <p:sldId id="257" r:id="rId3"/>
     <p:sldId id="258" r:id="rId4"/>
-    <p:sldId id="259" r:id="rId5"/>
-    <p:sldId id="260" r:id="rId6"/>
-    <p:sldId id="261" r:id="rId7"/>
-    <p:sldId id="262" r:id="rId8"/>
-    <p:sldId id="263" r:id="rId9"/>
-    <p:sldId id="264" r:id="rId10"/>
-    <p:sldId id="265" r:id="rId11"/>
-    <p:sldId id="266" r:id="rId12"/>
-    <p:sldId id="267" r:id="rId13"/>
-    <p:sldId id="268" r:id="rId14"/>
-    <p:sldId id="269" r:id="rId15"/>
-    <p:sldId id="270" r:id="rId16"/>
-    <p:sldId id="271" r:id="rId17"/>
-    <p:sldId id="272" r:id="rId18"/>
-    <p:sldId id="273" r:id="rId19"/>
-    <p:sldId id="274" r:id="rId20"/>
-    <p:sldId id="275" r:id="rId21"/>
-    <p:sldId id="276" r:id="rId22"/>
+    <p:sldId id="260" r:id="rId5"/>
+    <p:sldId id="261" r:id="rId6"/>
+    <p:sldId id="262" r:id="rId7"/>
+    <p:sldId id="263" r:id="rId8"/>
+    <p:sldId id="264" r:id="rId9"/>
+    <p:sldId id="265" r:id="rId10"/>
+    <p:sldId id="266" r:id="rId11"/>
+    <p:sldId id="267" r:id="rId12"/>
+    <p:sldId id="268" r:id="rId13"/>
+    <p:sldId id="269" r:id="rId14"/>
+    <p:sldId id="270" r:id="rId15"/>
+    <p:sldId id="271" r:id="rId16"/>
+    <p:sldId id="272" r:id="rId17"/>
+    <p:sldId id="273" r:id="rId18"/>
+    <p:sldId id="274" r:id="rId19"/>
+    <p:sldId id="275" r:id="rId20"/>
+    <p:sldId id="276" r:id="rId21"/>
   </p:sldIdLst>
   <p:sldSz cx="9144000" cy="6858000" type="screen4x3"/>
   <p:notesSz cx="6858000" cy="9144000"/>
@@ -362,7 +361,7 @@
           <a:p>
             <a:fld id="{D140825E-4A15-4D39-8176-1F07E904CB30}" type="datetimeFigureOut">
               <a:rPr lang="en-US" smtClean="0"/>
-              <a:t>5/10/14</a:t>
+              <a:t>5/12/14</a:t>
             </a:fld>
             <a:endParaRPr lang="en-US"/>
           </a:p>
@@ -453,7 +452,7 @@
           <a:p>
             <a:fld id="{D140825E-4A15-4D39-8176-1F07E904CB30}" type="datetimeFigureOut">
               <a:rPr lang="en-US" smtClean="0"/>
-              <a:t>5/10/14</a:t>
+              <a:t>5/12/14</a:t>
             </a:fld>
             <a:endParaRPr lang="en-US"/>
           </a:p>
@@ -756,7 +755,7 @@
           <a:p>
             <a:fld id="{D140825E-4A15-4D39-8176-1F07E904CB30}" type="datetimeFigureOut">
               <a:rPr lang="en-US" smtClean="0"/>
-              <a:t>5/10/14</a:t>
+              <a:t>5/12/14</a:t>
             </a:fld>
             <a:endParaRPr lang="en-US"/>
           </a:p>
@@ -977,7 +976,7 @@
           <a:p>
             <a:fld id="{D140825E-4A15-4D39-8176-1F07E904CB30}" type="datetimeFigureOut">
               <a:rPr lang="en-US" smtClean="0"/>
-              <a:t>5/10/14</a:t>
+              <a:t>5/12/14</a:t>
             </a:fld>
             <a:endParaRPr lang="en-US"/>
           </a:p>
@@ -1365,7 +1364,7 @@
           <a:p>
             <a:fld id="{D140825E-4A15-4D39-8176-1F07E904CB30}" type="datetimeFigureOut">
               <a:rPr lang="en-US" smtClean="0"/>
-              <a:t>5/10/14</a:t>
+              <a:t>5/12/14</a:t>
             </a:fld>
             <a:endParaRPr lang="en-US"/>
           </a:p>
@@ -1673,7 +1672,7 @@
           <a:p>
             <a:fld id="{D140825E-4A15-4D39-8176-1F07E904CB30}" type="datetimeFigureOut">
               <a:rPr lang="en-US" smtClean="0"/>
-              <a:t>5/10/14</a:t>
+              <a:t>5/12/14</a:t>
             </a:fld>
             <a:endParaRPr lang="en-US"/>
           </a:p>
@@ -1871,7 +1870,7 @@
           <a:p>
             <a:fld id="{D140825E-4A15-4D39-8176-1F07E904CB30}" type="datetimeFigureOut">
               <a:rPr lang="en-US" smtClean="0"/>
-              <a:t>5/10/14</a:t>
+              <a:t>5/12/14</a:t>
             </a:fld>
             <a:endParaRPr lang="en-US"/>
           </a:p>
@@ -2074,7 +2073,7 @@
           <a:p>
             <a:fld id="{D140825E-4A15-4D39-8176-1F07E904CB30}" type="datetimeFigureOut">
               <a:rPr lang="en-US" smtClean="0"/>
-              <a:t>5/10/14</a:t>
+              <a:t>5/12/14</a:t>
             </a:fld>
             <a:endParaRPr lang="en-US"/>
           </a:p>
@@ -2267,7 +2266,7 @@
           <a:p>
             <a:fld id="{D140825E-4A15-4D39-8176-1F07E904CB30}" type="datetimeFigureOut">
               <a:rPr lang="en-US" smtClean="0"/>
-              <a:t>5/10/14</a:t>
+              <a:t>5/12/14</a:t>
             </a:fld>
             <a:endParaRPr lang="en-US"/>
           </a:p>
@@ -2539,7 +2538,7 @@
           <a:p>
             <a:fld id="{D140825E-4A15-4D39-8176-1F07E904CB30}" type="datetimeFigureOut">
               <a:rPr lang="en-US" smtClean="0"/>
-              <a:t>5/10/14</a:t>
+              <a:t>5/12/14</a:t>
             </a:fld>
             <a:endParaRPr lang="en-US"/>
           </a:p>
@@ -2850,7 +2849,7 @@
           <a:p>
             <a:fld id="{D140825E-4A15-4D39-8176-1F07E904CB30}" type="datetimeFigureOut">
               <a:rPr lang="en-US" smtClean="0"/>
-              <a:t>5/10/14</a:t>
+              <a:t>5/12/14</a:t>
             </a:fld>
             <a:endParaRPr lang="en-US"/>
           </a:p>
@@ -3316,7 +3315,7 @@
           <a:p>
             <a:fld id="{D140825E-4A15-4D39-8176-1F07E904CB30}" type="datetimeFigureOut">
               <a:rPr lang="en-US" smtClean="0"/>
-              <a:t>5/10/14</a:t>
+              <a:t>5/12/14</a:t>
             </a:fld>
             <a:endParaRPr lang="en-US"/>
           </a:p>
@@ -3680,7 +3679,7 @@
           <a:p>
             <a:fld id="{D140825E-4A15-4D39-8176-1F07E904CB30}" type="datetimeFigureOut">
               <a:rPr lang="en-US" smtClean="0"/>
-              <a:t>5/10/14</a:t>
+              <a:t>5/12/14</a:t>
             </a:fld>
             <a:endParaRPr lang="en-US"/>
           </a:p>
@@ -3991,7 +3990,7 @@
           <a:p>
             <a:fld id="{D140825E-4A15-4D39-8176-1F07E904CB30}" type="datetimeFigureOut">
               <a:rPr lang="en-US" smtClean="0"/>
-              <a:t>5/10/14</a:t>
+              <a:t>5/12/14</a:t>
             </a:fld>
             <a:endParaRPr lang="en-US"/>
           </a:p>
@@ -4302,7 +4301,7 @@
           <a:p>
             <a:fld id="{D140825E-4A15-4D39-8176-1F07E904CB30}" type="datetimeFigureOut">
               <a:rPr lang="en-US" smtClean="0"/>
-              <a:t>5/10/14</a:t>
+              <a:t>5/12/14</a:t>
             </a:fld>
             <a:endParaRPr lang="en-US"/>
           </a:p>
@@ -4787,7 +4786,7 @@
           <a:p>
             <a:fld id="{D140825E-4A15-4D39-8176-1F07E904CB30}" type="datetimeFigureOut">
               <a:rPr lang="en-US" smtClean="0"/>
-              <a:t>5/10/14</a:t>
+              <a:t>5/12/14</a:t>
             </a:fld>
             <a:endParaRPr lang="en-US"/>
           </a:p>
@@ -5050,7 +5049,7 @@
           <a:p>
             <a:fld id="{D140825E-4A15-4D39-8176-1F07E904CB30}" type="datetimeFigureOut">
               <a:rPr lang="en-US" smtClean="0"/>
-              <a:t>5/10/14</a:t>
+              <a:t>5/12/14</a:t>
             </a:fld>
             <a:endParaRPr lang="en-US"/>
           </a:p>
@@ -5444,25 +5443,6 @@
           </a:p>
         </p:txBody>
       </p:sp>
-      <p:sp>
-        <p:nvSpPr>
-          <p:cNvPr id="3" name="Subtitle 2"/>
-          <p:cNvSpPr>
-            <a:spLocks noGrp="1"/>
-          </p:cNvSpPr>
-          <p:nvPr>
-            <p:ph type="subTitle" idx="1"/>
-          </p:nvPr>
-        </p:nvSpPr>
-        <p:spPr/>
-        <p:txBody>
-          <a:bodyPr/>
-          <a:lstStyle/>
-          <a:p>
-            <a:endParaRPr lang="en-US"/>
-          </a:p>
-        </p:txBody>
-      </p:sp>
     </p:spTree>
     <p:extLst>
       <p:ext uri="{BB962C8B-B14F-4D97-AF65-F5344CB8AC3E}">
@@ -5506,7 +5486,7 @@
         <p:spPr>
           <a:xfrm>
             <a:off x="779463" y="381000"/>
-            <a:ext cx="8188356" cy="1044388"/>
+            <a:ext cx="7583487" cy="1198936"/>
           </a:xfrm>
         </p:spPr>
         <p:txBody>
@@ -5515,7 +5495,14 @@
           <a:p>
             <a:r>
               <a:rPr lang="en-US" dirty="0"/>
-              <a:t>IX. Common Extended Match Criteria</a:t>
+              <a:t>Accept packets from trusted IP </a:t>
+            </a:r>
+            <a:br>
+              <a:rPr lang="en-US" dirty="0"/>
+            </a:br>
+            <a:r>
+              <a:rPr lang="en-US" dirty="0"/>
+              <a:t>addresses</a:t>
             </a:r>
           </a:p>
         </p:txBody>
@@ -5535,14 +5522,14 @@
           <a:bodyPr/>
           <a:lstStyle/>
           <a:p>
-            <a:endParaRPr lang="en-US"/>
+            <a:endParaRPr lang="en-US" dirty="0"/>
           </a:p>
         </p:txBody>
       </p:sp>
     </p:spTree>
     <p:extLst>
       <p:ext uri="{BB962C8B-B14F-4D97-AF65-F5344CB8AC3E}">
-        <p14:creationId xmlns:p14="http://schemas.microsoft.com/office/powerpoint/2010/main" val="23448573"/>
+        <p14:creationId xmlns:p14="http://schemas.microsoft.com/office/powerpoint/2010/main" val="1342571929"/>
       </p:ext>
     </p:extLst>
   </p:cSld>
@@ -5579,26 +5566,14 @@
             <p:ph type="title"/>
           </p:nvPr>
         </p:nvSpPr>
-        <p:spPr>
-          <a:xfrm>
-            <a:off x="779463" y="381000"/>
-            <a:ext cx="7583487" cy="1198936"/>
-          </a:xfrm>
-        </p:spPr>
+        <p:spPr/>
         <p:txBody>
           <a:bodyPr/>
           <a:lstStyle/>
           <a:p>
             <a:r>
               <a:rPr lang="en-US" dirty="0"/>
-              <a:t>Accept packets from trusted IP </a:t>
-            </a:r>
-            <a:br>
-              <a:rPr lang="en-US" dirty="0"/>
-            </a:br>
-            <a:r>
-              <a:rPr lang="en-US" dirty="0"/>
-              <a:t>addresses</a:t>
+              <a:t>Ports and Protocols</a:t>
             </a:r>
           </a:p>
         </p:txBody>
@@ -5618,14 +5593,14 @@
           <a:bodyPr/>
           <a:lstStyle/>
           <a:p>
-            <a:endParaRPr lang="en-US" dirty="0"/>
+            <a:endParaRPr lang="en-US"/>
           </a:p>
         </p:txBody>
       </p:sp>
     </p:spTree>
     <p:extLst>
       <p:ext uri="{BB962C8B-B14F-4D97-AF65-F5344CB8AC3E}">
-        <p14:creationId xmlns:p14="http://schemas.microsoft.com/office/powerpoint/2010/main" val="1342571929"/>
+        <p14:creationId xmlns:p14="http://schemas.microsoft.com/office/powerpoint/2010/main" val="3677955963"/>
       </p:ext>
     </p:extLst>
   </p:cSld>
@@ -5669,7 +5644,7 @@
           <a:p>
             <a:r>
               <a:rPr lang="en-US" dirty="0"/>
-              <a:t>Ports and Protocols</a:t>
+              <a:t>Writing a Simple Rule Set</a:t>
             </a:r>
           </a:p>
         </p:txBody>
@@ -5696,7 +5671,7 @@
     </p:spTree>
     <p:extLst>
       <p:ext uri="{BB962C8B-B14F-4D97-AF65-F5344CB8AC3E}">
-        <p14:creationId xmlns:p14="http://schemas.microsoft.com/office/powerpoint/2010/main" val="3677955963"/>
+        <p14:creationId xmlns:p14="http://schemas.microsoft.com/office/powerpoint/2010/main" val="1218863992"/>
       </p:ext>
     </p:extLst>
   </p:cSld>
@@ -5740,7 +5715,7 @@
           <a:p>
             <a:r>
               <a:rPr lang="en-US" dirty="0"/>
-              <a:t>Writing a Simple Rule Set</a:t>
+              <a:t>Writing a Simple Rule Set (Contd.)</a:t>
             </a:r>
           </a:p>
         </p:txBody>
@@ -5767,7 +5742,7 @@
     </p:spTree>
     <p:extLst>
       <p:ext uri="{BB962C8B-B14F-4D97-AF65-F5344CB8AC3E}">
-        <p14:creationId xmlns:p14="http://schemas.microsoft.com/office/powerpoint/2010/main" val="1218863992"/>
+        <p14:creationId xmlns:p14="http://schemas.microsoft.com/office/powerpoint/2010/main" val="1292329809"/>
       </p:ext>
     </p:extLst>
   </p:cSld>
@@ -5811,7 +5786,7 @@
           <a:p>
             <a:r>
               <a:rPr lang="en-US" dirty="0"/>
-              <a:t>Writing a Simple Rule Set (Contd.)</a:t>
+              <a:t>Masquerading (Many to One NAT)</a:t>
             </a:r>
           </a:p>
         </p:txBody>
@@ -5838,7 +5813,7 @@
     </p:spTree>
     <p:extLst>
       <p:ext uri="{BB962C8B-B14F-4D97-AF65-F5344CB8AC3E}">
-        <p14:creationId xmlns:p14="http://schemas.microsoft.com/office/powerpoint/2010/main" val="1292329809"/>
+        <p14:creationId xmlns:p14="http://schemas.microsoft.com/office/powerpoint/2010/main" val="3415404490"/>
       </p:ext>
     </p:extLst>
   </p:cSld>
@@ -5882,7 +5857,7 @@
           <a:p>
             <a:r>
               <a:rPr lang="en-US" dirty="0"/>
-              <a:t>Masquerading (Many to One NAT)</a:t>
+              <a:t>Recovering From A Lost Script</a:t>
             </a:r>
           </a:p>
         </p:txBody>
@@ -5909,7 +5884,7 @@
     </p:spTree>
     <p:extLst>
       <p:ext uri="{BB962C8B-B14F-4D97-AF65-F5344CB8AC3E}">
-        <p14:creationId xmlns:p14="http://schemas.microsoft.com/office/powerpoint/2010/main" val="3415404490"/>
+        <p14:creationId xmlns:p14="http://schemas.microsoft.com/office/powerpoint/2010/main" val="2455917376"/>
       </p:ext>
     </p:extLst>
   </p:cSld>
@@ -5952,9 +5927,18 @@
           <a:lstStyle/>
           <a:p>
             <a:r>
-              <a:rPr lang="en-US" dirty="0"/>
-              <a:t>Recovering From A Lost Script</a:t>
-            </a:r>
+              <a:rPr lang="nl-NL" dirty="0" err="1"/>
+              <a:t>Troubleshooting</a:t>
+            </a:r>
+            <a:r>
+              <a:rPr lang="nl-NL" dirty="0"/>
+              <a:t> </a:t>
+            </a:r>
+            <a:r>
+              <a:rPr lang="nl-NL" dirty="0" err="1"/>
+              <a:t>iptables</a:t>
+            </a:r>
+            <a:endParaRPr lang="en-US" dirty="0"/>
           </a:p>
         </p:txBody>
       </p:sp>
@@ -5980,7 +5964,7 @@
     </p:spTree>
     <p:extLst>
       <p:ext uri="{BB962C8B-B14F-4D97-AF65-F5344CB8AC3E}">
-        <p14:creationId xmlns:p14="http://schemas.microsoft.com/office/powerpoint/2010/main" val="2455917376"/>
+        <p14:creationId xmlns:p14="http://schemas.microsoft.com/office/powerpoint/2010/main" val="2410303018"/>
       </p:ext>
     </p:extLst>
   </p:cSld>
@@ -6023,18 +6007,9 @@
           <a:lstStyle/>
           <a:p>
             <a:r>
-              <a:rPr lang="nl-NL" dirty="0" err="1"/>
-              <a:t>Troubleshooting</a:t>
-            </a:r>
-            <a:r>
-              <a:rPr lang="nl-NL" dirty="0"/>
-              <a:t> </a:t>
-            </a:r>
-            <a:r>
-              <a:rPr lang="nl-NL" dirty="0" err="1"/>
-              <a:t>iptables</a:t>
-            </a:r>
-            <a:endParaRPr lang="en-US" dirty="0"/>
+              <a:rPr lang="en-US" dirty="0"/>
+              <a:t>Allowing DNS Access To Your Firewall</a:t>
+            </a:r>
           </a:p>
         </p:txBody>
       </p:sp>
@@ -6060,7 +6035,7 @@
     </p:spTree>
     <p:extLst>
       <p:ext uri="{BB962C8B-B14F-4D97-AF65-F5344CB8AC3E}">
-        <p14:creationId xmlns:p14="http://schemas.microsoft.com/office/powerpoint/2010/main" val="2410303018"/>
+        <p14:creationId xmlns:p14="http://schemas.microsoft.com/office/powerpoint/2010/main" val="1452258003"/>
       </p:ext>
     </p:extLst>
   </p:cSld>
@@ -6104,8 +6079,20 @@
           <a:p>
             <a:r>
               <a:rPr lang="en-US" dirty="0"/>
-              <a:t>Allowing DNS Access To Your Firewall</a:t>
-            </a:r>
+              <a:t>Allowing WWW And SSH Access To </a:t>
+            </a:r>
+            <a:br>
+              <a:rPr lang="en-US" dirty="0"/>
+            </a:br>
+            <a:r>
+              <a:rPr lang="en-US" dirty="0"/>
+              <a:t>Your </a:t>
+            </a:r>
+            <a:r>
+              <a:rPr lang="en-US" dirty="0" smtClean="0"/>
+              <a:t>Firewall</a:t>
+            </a:r>
+            <a:endParaRPr lang="en-US" dirty="0"/>
           </a:p>
         </p:txBody>
       </p:sp>
@@ -6131,7 +6118,7 @@
     </p:spTree>
     <p:extLst>
       <p:ext uri="{BB962C8B-B14F-4D97-AF65-F5344CB8AC3E}">
-        <p14:creationId xmlns:p14="http://schemas.microsoft.com/office/powerpoint/2010/main" val="1452258003"/>
+        <p14:creationId xmlns:p14="http://schemas.microsoft.com/office/powerpoint/2010/main" val="2296183838"/>
       </p:ext>
     </p:extLst>
   </p:cSld>
@@ -6174,21 +6161,16 @@
           <a:lstStyle/>
           <a:p>
             <a:r>
-              <a:rPr lang="en-US" dirty="0"/>
-              <a:t>Allowing WWW And SSH Access To </a:t>
+              <a:rPr lang="en-US" sz="3200" dirty="0"/>
+              <a:t>Allowing Your Firewall To Access The </a:t>
             </a:r>
             <a:br>
-              <a:rPr lang="en-US" dirty="0"/>
+              <a:rPr lang="en-US" sz="3200" dirty="0"/>
             </a:br>
             <a:r>
-              <a:rPr lang="en-US" dirty="0"/>
-              <a:t>Your </a:t>
-            </a:r>
-            <a:r>
-              <a:rPr lang="en-US" dirty="0" smtClean="0"/>
-              <a:t>Firewall</a:t>
-            </a:r>
-            <a:endParaRPr lang="en-US" dirty="0"/>
+              <a:rPr lang="en-US" sz="3200" dirty="0"/>
+              <a:t>Internet</a:t>
+            </a:r>
           </a:p>
         </p:txBody>
       </p:sp>
@@ -6214,7 +6196,7 @@
     </p:spTree>
     <p:extLst>
       <p:ext uri="{BB962C8B-B14F-4D97-AF65-F5344CB8AC3E}">
-        <p14:creationId xmlns:p14="http://schemas.microsoft.com/office/powerpoint/2010/main" val="2296183838"/>
+        <p14:creationId xmlns:p14="http://schemas.microsoft.com/office/powerpoint/2010/main" val="812393108"/>
       </p:ext>
     </p:extLst>
   </p:cSld>
@@ -6295,7 +6277,281 @@
           <a:bodyPr/>
           <a:lstStyle/>
           <a:p>
+            <a:r>
+              <a:rPr lang="en-US" dirty="0" err="1" smtClean="0"/>
+              <a:t>Là</a:t>
+            </a:r>
+            <a:r>
+              <a:rPr lang="en-US" dirty="0" smtClean="0"/>
+              <a:t> 1 </a:t>
+            </a:r>
+            <a:r>
+              <a:rPr lang="en-US" dirty="0" err="1" smtClean="0"/>
+              <a:t>sản</a:t>
+            </a:r>
+            <a:r>
+              <a:rPr lang="en-US" dirty="0" smtClean="0"/>
+              <a:t> </a:t>
+            </a:r>
+            <a:r>
+              <a:rPr lang="en-US" dirty="0" err="1" smtClean="0"/>
+              <a:t>phẩm</a:t>
+            </a:r>
+            <a:r>
+              <a:rPr lang="en-US" dirty="0" smtClean="0"/>
+              <a:t> </a:t>
+            </a:r>
+            <a:r>
+              <a:rPr lang="en-US" dirty="0" err="1" smtClean="0"/>
+              <a:t>của</a:t>
+            </a:r>
+            <a:r>
+              <a:rPr lang="en-US" dirty="0" smtClean="0"/>
+              <a:t> </a:t>
+            </a:r>
+            <a:r>
+              <a:rPr lang="en-US" dirty="0" err="1" smtClean="0"/>
+              <a:t>Netfilter</a:t>
+            </a:r>
+            <a:r>
+              <a:rPr lang="en-US" dirty="0" smtClean="0"/>
+              <a:t>.</a:t>
+            </a:r>
+          </a:p>
+          <a:p>
+            <a:r>
+              <a:rPr lang="en-US" dirty="0" err="1" smtClean="0"/>
+              <a:t>Là</a:t>
+            </a:r>
+            <a:r>
+              <a:rPr lang="en-US" dirty="0" smtClean="0"/>
+              <a:t> </a:t>
+            </a:r>
+            <a:r>
+              <a:rPr lang="en-US" dirty="0" err="1" smtClean="0"/>
+              <a:t>một</a:t>
+            </a:r>
+            <a:r>
+              <a:rPr lang="en-US" dirty="0" smtClean="0"/>
+              <a:t> </a:t>
+            </a:r>
+            <a:r>
+              <a:rPr lang="en-US" dirty="0" err="1" smtClean="0"/>
+              <a:t>phần</a:t>
+            </a:r>
+            <a:r>
+              <a:rPr lang="en-US" dirty="0" smtClean="0"/>
+              <a:t> </a:t>
+            </a:r>
+            <a:r>
+              <a:rPr lang="en-US" dirty="0" err="1" smtClean="0"/>
+              <a:t>mềm</a:t>
+            </a:r>
+            <a:r>
+              <a:rPr lang="en-US" dirty="0" smtClean="0"/>
+              <a:t> </a:t>
+            </a:r>
+            <a:r>
+              <a:rPr lang="en-US" dirty="0" err="1" smtClean="0"/>
+              <a:t>được</a:t>
+            </a:r>
+            <a:r>
+              <a:rPr lang="en-US" dirty="0" smtClean="0"/>
+              <a:t> </a:t>
+            </a:r>
+            <a:r>
+              <a:rPr lang="en-US" dirty="0" err="1" smtClean="0"/>
+              <a:t>tích</a:t>
+            </a:r>
+            <a:r>
+              <a:rPr lang="en-US" dirty="0" smtClean="0"/>
+              <a:t> </a:t>
+            </a:r>
+            <a:r>
+              <a:rPr lang="en-US" dirty="0" err="1" smtClean="0"/>
+              <a:t>hợp</a:t>
+            </a:r>
+            <a:r>
+              <a:rPr lang="en-US" dirty="0" smtClean="0"/>
+              <a:t> </a:t>
+            </a:r>
+            <a:r>
+              <a:rPr lang="en-US" dirty="0" err="1" smtClean="0"/>
+              <a:t>tốt</a:t>
+            </a:r>
+            <a:r>
+              <a:rPr lang="en-US" dirty="0" smtClean="0"/>
+              <a:t> </a:t>
+            </a:r>
+            <a:r>
+              <a:rPr lang="en-US" dirty="0" err="1" smtClean="0"/>
+              <a:t>với</a:t>
+            </a:r>
+            <a:r>
+              <a:rPr lang="en-US" dirty="0" smtClean="0"/>
+              <a:t> </a:t>
+            </a:r>
+            <a:r>
+              <a:rPr lang="en-US" dirty="0" err="1" smtClean="0"/>
+              <a:t>nhân</a:t>
+            </a:r>
+            <a:r>
+              <a:rPr lang="en-US" dirty="0" smtClean="0"/>
+              <a:t> Linux.</a:t>
+            </a:r>
+          </a:p>
+          <a:p>
+            <a:r>
+              <a:rPr lang="en-US" dirty="0" err="1" smtClean="0"/>
+              <a:t>Là</a:t>
+            </a:r>
+            <a:r>
+              <a:rPr lang="en-US" dirty="0" smtClean="0"/>
+              <a:t> </a:t>
+            </a:r>
+            <a:r>
+              <a:rPr lang="en-US" dirty="0" err="1" smtClean="0"/>
+              <a:t>một</a:t>
+            </a:r>
+            <a:r>
+              <a:rPr lang="en-US" dirty="0" smtClean="0"/>
+              <a:t> </a:t>
+            </a:r>
+            <a:r>
+              <a:rPr lang="en-US" dirty="0" err="1" smtClean="0"/>
+              <a:t>phần</a:t>
+            </a:r>
+            <a:r>
+              <a:rPr lang="en-US" dirty="0" smtClean="0"/>
+              <a:t> </a:t>
+            </a:r>
+            <a:r>
+              <a:rPr lang="en-US" dirty="0" err="1" smtClean="0"/>
+              <a:t>mềm</a:t>
+            </a:r>
+            <a:r>
+              <a:rPr lang="en-US" dirty="0" smtClean="0"/>
+              <a:t> </a:t>
+            </a:r>
+            <a:r>
+              <a:rPr lang="en-US" dirty="0" err="1" smtClean="0"/>
+              <a:t>có</a:t>
+            </a:r>
+            <a:r>
+              <a:rPr lang="en-US" dirty="0" smtClean="0"/>
+              <a:t> </a:t>
+            </a:r>
+            <a:r>
+              <a:rPr lang="en-US" dirty="0" err="1" smtClean="0"/>
+              <a:t>chức</a:t>
+            </a:r>
+            <a:r>
+              <a:rPr lang="en-US" dirty="0" smtClean="0"/>
+              <a:t> </a:t>
+            </a:r>
+            <a:r>
+              <a:rPr lang="en-US" dirty="0" err="1" smtClean="0"/>
+              <a:t>năng</a:t>
+            </a:r>
+            <a:r>
+              <a:rPr lang="en-US" dirty="0" smtClean="0"/>
+              <a:t> </a:t>
+            </a:r>
+            <a:r>
+              <a:rPr lang="en-US" dirty="0" err="1" smtClean="0"/>
+              <a:t>điều</a:t>
+            </a:r>
+            <a:r>
+              <a:rPr lang="en-US" dirty="0" smtClean="0"/>
+              <a:t> </a:t>
+            </a:r>
+            <a:r>
+              <a:rPr lang="en-US" dirty="0" err="1" smtClean="0"/>
+              <a:t>khiển</a:t>
+            </a:r>
+            <a:r>
+              <a:rPr lang="en-US" dirty="0" smtClean="0"/>
+              <a:t> </a:t>
+            </a:r>
+            <a:r>
+              <a:rPr lang="en-US" dirty="0" err="1" smtClean="0"/>
+              <a:t>các</a:t>
+            </a:r>
+            <a:r>
+              <a:rPr lang="en-US" dirty="0" smtClean="0"/>
+              <a:t> </a:t>
+            </a:r>
+            <a:r>
+              <a:rPr lang="en-US" dirty="0" err="1" smtClean="0"/>
+              <a:t>gói</a:t>
+            </a:r>
+            <a:r>
+              <a:rPr lang="en-US" dirty="0" smtClean="0"/>
+              <a:t> tin </a:t>
+            </a:r>
+            <a:r>
+              <a:rPr lang="en-US" dirty="0" err="1" smtClean="0"/>
+              <a:t>trong</a:t>
+            </a:r>
+            <a:r>
+              <a:rPr lang="en-US" dirty="0" smtClean="0"/>
+              <a:t> </a:t>
+            </a:r>
+            <a:r>
+              <a:rPr lang="en-US" dirty="0" err="1" smtClean="0"/>
+              <a:t>môi</a:t>
+            </a:r>
+            <a:r>
+              <a:rPr lang="en-US" dirty="0" smtClean="0"/>
+              <a:t> </a:t>
+            </a:r>
+            <a:r>
+              <a:rPr lang="en-US" dirty="0" err="1" smtClean="0"/>
+              <a:t>trường</a:t>
+            </a:r>
+            <a:r>
+              <a:rPr lang="en-US" dirty="0" smtClean="0"/>
+              <a:t> </a:t>
+            </a:r>
+            <a:r>
+              <a:rPr lang="en-US" dirty="0" err="1" smtClean="0"/>
+              <a:t>mạng</a:t>
+            </a:r>
+            <a:r>
+              <a:rPr lang="en-US" dirty="0" smtClean="0"/>
+              <a:t>:</a:t>
+            </a:r>
+          </a:p>
+          <a:p>
+            <a:pPr>
+              <a:buFont typeface="Wingdings" charset="2"/>
+              <a:buChar char="ü"/>
+            </a:pPr>
+            <a:r>
+              <a:rPr lang="en-US" dirty="0" smtClean="0"/>
+              <a:t>Filtering packet</a:t>
+            </a:r>
+          </a:p>
+          <a:p>
+            <a:pPr>
+              <a:buFont typeface="Wingdings" charset="2"/>
+              <a:buChar char="ü"/>
+            </a:pPr>
+            <a:r>
+              <a:rPr lang="en-US" dirty="0" smtClean="0"/>
+              <a:t>NAT</a:t>
+            </a:r>
             <a:endParaRPr lang="en-US" dirty="0"/>
+          </a:p>
+          <a:p>
+            <a:pPr>
+              <a:buFont typeface="Wingdings" charset="2"/>
+              <a:buChar char="ü"/>
+            </a:pPr>
+            <a:r>
+              <a:rPr lang="en-US" dirty="0" smtClean="0"/>
+              <a:t>Forward</a:t>
+            </a:r>
           </a:p>
         </p:txBody>
       </p:sp>
@@ -6345,84 +6601,6 @@
           <a:lstStyle/>
           <a:p>
             <a:r>
-              <a:rPr lang="en-US" sz="3200" dirty="0"/>
-              <a:t>Allowing Your Firewall To Access The </a:t>
-            </a:r>
-            <a:br>
-              <a:rPr lang="en-US" sz="3200" dirty="0"/>
-            </a:br>
-            <a:r>
-              <a:rPr lang="en-US" sz="3200" dirty="0"/>
-              <a:t>Internet</a:t>
-            </a:r>
-          </a:p>
-        </p:txBody>
-      </p:sp>
-      <p:sp>
-        <p:nvSpPr>
-          <p:cNvPr id="3" name="Content Placeholder 2"/>
-          <p:cNvSpPr>
-            <a:spLocks noGrp="1"/>
-          </p:cNvSpPr>
-          <p:nvPr>
-            <p:ph idx="1"/>
-          </p:nvPr>
-        </p:nvSpPr>
-        <p:spPr/>
-        <p:txBody>
-          <a:bodyPr/>
-          <a:lstStyle/>
-          <a:p>
-            <a:endParaRPr lang="en-US"/>
-          </a:p>
-        </p:txBody>
-      </p:sp>
-    </p:spTree>
-    <p:extLst>
-      <p:ext uri="{BB962C8B-B14F-4D97-AF65-F5344CB8AC3E}">
-        <p14:creationId xmlns:p14="http://schemas.microsoft.com/office/powerpoint/2010/main" val="812393108"/>
-      </p:ext>
-    </p:extLst>
-  </p:cSld>
-  <p:clrMapOvr>
-    <a:masterClrMapping/>
-  </p:clrMapOvr>
-</p:sld>
-</file>
-
-<file path=ppt/slides/slide21.xml><?xml version="1.0" encoding="utf-8"?>
-<p:sld xmlns:a="http://schemas.openxmlformats.org/drawingml/2006/main" xmlns:r="http://schemas.openxmlformats.org/officeDocument/2006/relationships" xmlns:p="http://schemas.openxmlformats.org/presentationml/2006/main">
-  <p:cSld>
-    <p:spTree>
-      <p:nvGrpSpPr>
-        <p:cNvPr id="1" name=""/>
-        <p:cNvGrpSpPr/>
-        <p:nvPr/>
-      </p:nvGrpSpPr>
-      <p:grpSpPr>
-        <a:xfrm>
-          <a:off x="0" y="0"/>
-          <a:ext cx="0" cy="0"/>
-          <a:chOff x="0" y="0"/>
-          <a:chExt cx="0" cy="0"/>
-        </a:xfrm>
-      </p:grpSpPr>
-      <p:sp>
-        <p:nvSpPr>
-          <p:cNvPr id="2" name="Title 1"/>
-          <p:cNvSpPr>
-            <a:spLocks noGrp="1"/>
-          </p:cNvSpPr>
-          <p:nvPr>
-            <p:ph type="title"/>
-          </p:nvPr>
-        </p:nvSpPr>
-        <p:spPr/>
-        <p:txBody>
-          <a:bodyPr/>
-          <a:lstStyle/>
-          <a:p>
-            <a:r>
               <a:rPr lang="en-US" sz="3600" dirty="0"/>
               <a:t>Allow Your Home Network To Access </a:t>
             </a:r>
@@ -6544,7 +6722,140 @@
           <a:bodyPr/>
           <a:lstStyle/>
           <a:p>
-            <a:endParaRPr lang="en-US" dirty="0"/>
+            <a:r>
+              <a:rPr lang="en-US" dirty="0" err="1" smtClean="0"/>
+              <a:t>Là</a:t>
+            </a:r>
+            <a:r>
+              <a:rPr lang="en-US" dirty="0" smtClean="0"/>
+              <a:t> </a:t>
+            </a:r>
+            <a:r>
+              <a:rPr lang="en-US" dirty="0" err="1" smtClean="0"/>
+              <a:t>một</a:t>
+            </a:r>
+            <a:r>
+              <a:rPr lang="en-US" dirty="0" smtClean="0"/>
+              <a:t> </a:t>
+            </a:r>
+            <a:r>
+              <a:rPr lang="en-US" dirty="0" err="1" smtClean="0"/>
+              <a:t>chương</a:t>
+            </a:r>
+            <a:r>
+              <a:rPr lang="en-US" dirty="0" smtClean="0"/>
+              <a:t> </a:t>
+            </a:r>
+            <a:r>
+              <a:rPr lang="en-US" dirty="0" err="1" smtClean="0"/>
+              <a:t>trình</a:t>
+            </a:r>
+            <a:r>
+              <a:rPr lang="en-US" dirty="0" smtClean="0"/>
+              <a:t> Firewall </a:t>
+            </a:r>
+            <a:r>
+              <a:rPr lang="en-US" dirty="0" err="1" smtClean="0"/>
+              <a:t>trong</a:t>
+            </a:r>
+            <a:r>
+              <a:rPr lang="en-US" dirty="0" smtClean="0"/>
+              <a:t> </a:t>
+            </a:r>
+            <a:r>
+              <a:rPr lang="en-US" dirty="0" err="1" smtClean="0"/>
+              <a:t>nhân</a:t>
+            </a:r>
+            <a:r>
+              <a:rPr lang="en-US" dirty="0" smtClean="0"/>
+              <a:t> Linux.</a:t>
+            </a:r>
+          </a:p>
+          <a:p>
+            <a:r>
+              <a:rPr lang="en-US" dirty="0" smtClean="0"/>
+              <a:t>IPTABLES </a:t>
+            </a:r>
+            <a:r>
+              <a:rPr lang="en-US" dirty="0" err="1" smtClean="0"/>
+              <a:t>chịu</a:t>
+            </a:r>
+            <a:r>
+              <a:rPr lang="en-US" dirty="0" smtClean="0"/>
+              <a:t> </a:t>
+            </a:r>
+            <a:r>
+              <a:rPr lang="en-US" dirty="0" err="1" smtClean="0"/>
+              <a:t>trách</a:t>
+            </a:r>
+            <a:r>
+              <a:rPr lang="en-US" dirty="0" smtClean="0"/>
+              <a:t> </a:t>
+            </a:r>
+            <a:r>
+              <a:rPr lang="en-US" dirty="0" err="1" smtClean="0"/>
+              <a:t>nhiệm</a:t>
+            </a:r>
+            <a:r>
+              <a:rPr lang="en-US" dirty="0" smtClean="0"/>
+              <a:t> </a:t>
+            </a:r>
+            <a:r>
+              <a:rPr lang="en-US" dirty="0" err="1" smtClean="0"/>
+              <a:t>giao</a:t>
+            </a:r>
+            <a:r>
+              <a:rPr lang="en-US" dirty="0" smtClean="0"/>
+              <a:t> </a:t>
+            </a:r>
+            <a:r>
+              <a:rPr lang="en-US" dirty="0" err="1" smtClean="0"/>
+              <a:t>tiếp</a:t>
+            </a:r>
+            <a:r>
+              <a:rPr lang="en-US" dirty="0" smtClean="0"/>
+              <a:t> </a:t>
+            </a:r>
+            <a:r>
+              <a:rPr lang="en-US" dirty="0" err="1" smtClean="0"/>
+              <a:t>giữa</a:t>
+            </a:r>
+            <a:r>
+              <a:rPr lang="en-US" dirty="0" smtClean="0"/>
+              <a:t> </a:t>
+            </a:r>
+            <a:r>
+              <a:rPr lang="en-US" dirty="0" err="1" smtClean="0"/>
+              <a:t>người</a:t>
+            </a:r>
+            <a:r>
+              <a:rPr lang="en-US" dirty="0" smtClean="0"/>
+              <a:t> </a:t>
+            </a:r>
+            <a:r>
+              <a:rPr lang="en-US" dirty="0" err="1" smtClean="0"/>
+              <a:t>dùng</a:t>
+            </a:r>
+            <a:r>
+              <a:rPr lang="en-US" dirty="0" smtClean="0"/>
+              <a:t> </a:t>
+            </a:r>
+            <a:r>
+              <a:rPr lang="en-US" dirty="0" err="1" smtClean="0"/>
+              <a:t>và</a:t>
+            </a:r>
+            <a:r>
+              <a:rPr lang="en-US" dirty="0" smtClean="0"/>
+              <a:t> </a:t>
+            </a:r>
+            <a:r>
+              <a:rPr lang="en-US" dirty="0" err="1" smtClean="0"/>
+              <a:t>Netfilter</a:t>
+            </a:r>
+            <a:r>
+              <a:rPr lang="en-US" dirty="0" smtClean="0"/>
+              <a:t>.</a:t>
+            </a:r>
           </a:p>
         </p:txBody>
       </p:sp>
@@ -6588,42 +6899,79 @@
             <p:ph type="title"/>
           </p:nvPr>
         </p:nvSpPr>
-        <p:spPr/>
-        <p:txBody>
-          <a:bodyPr/>
-          <a:lstStyle/>
-          <a:p>
-            <a:r>
-              <a:rPr lang="en-US" dirty="0" smtClean="0"/>
-              <a:t>III. IPTABLES Linux</a:t>
-            </a:r>
+        <p:spPr>
+          <a:xfrm>
+            <a:off x="779463" y="381000"/>
+            <a:ext cx="7770167" cy="1044388"/>
+          </a:xfrm>
+        </p:spPr>
+        <p:txBody>
+          <a:bodyPr/>
+          <a:lstStyle/>
+          <a:p>
+            <a:r>
+              <a:rPr lang="en-US" sz="3600" dirty="0" smtClean="0"/>
+              <a:t>IV. IPTABLES </a:t>
+            </a:r>
+            <a:r>
+              <a:rPr lang="en-US" sz="3600" dirty="0" err="1" smtClean="0"/>
+              <a:t>xử</a:t>
+            </a:r>
+            <a:r>
+              <a:rPr lang="en-US" sz="3600" dirty="0" smtClean="0"/>
+              <a:t> </a:t>
+            </a:r>
+            <a:r>
+              <a:rPr lang="en-US" sz="3600" dirty="0" err="1" smtClean="0"/>
+              <a:t>lý</a:t>
+            </a:r>
+            <a:r>
+              <a:rPr lang="en-US" sz="3600" dirty="0" smtClean="0"/>
+              <a:t> </a:t>
+            </a:r>
+            <a:r>
+              <a:rPr lang="en-US" sz="3600" dirty="0" err="1" smtClean="0"/>
+              <a:t>các</a:t>
+            </a:r>
+            <a:r>
+              <a:rPr lang="en-US" sz="3600" dirty="0" smtClean="0"/>
+              <a:t> packet </a:t>
+            </a:r>
+            <a:r>
+              <a:rPr lang="en-US" sz="3600" dirty="0" err="1" smtClean="0"/>
+              <a:t>ntn</a:t>
+            </a:r>
+            <a:r>
+              <a:rPr lang="en-US" sz="3600" dirty="0" smtClean="0"/>
+              <a:t>?</a:t>
+            </a:r>
+            <a:endParaRPr lang="en-US" sz="3600" dirty="0"/>
+          </a:p>
+        </p:txBody>
+      </p:sp>
+      <p:sp>
+        <p:nvSpPr>
+          <p:cNvPr id="3" name="Content Placeholder 2"/>
+          <p:cNvSpPr>
+            <a:spLocks noGrp="1"/>
+          </p:cNvSpPr>
+          <p:nvPr>
+            <p:ph idx="1"/>
+          </p:nvPr>
+        </p:nvSpPr>
+        <p:spPr/>
+        <p:txBody>
+          <a:bodyPr/>
+          <a:lstStyle/>
+          <a:p>
             <a:endParaRPr lang="en-US" dirty="0"/>
-          </a:p>
-        </p:txBody>
-      </p:sp>
-      <p:sp>
-        <p:nvSpPr>
-          <p:cNvPr id="3" name="Content Placeholder 2"/>
-          <p:cNvSpPr>
-            <a:spLocks noGrp="1"/>
-          </p:cNvSpPr>
-          <p:nvPr>
-            <p:ph idx="1"/>
-          </p:nvPr>
-        </p:nvSpPr>
-        <p:spPr/>
-        <p:txBody>
-          <a:bodyPr/>
-          <a:lstStyle/>
-          <a:p>
-            <a:endParaRPr lang="en-US"/>
           </a:p>
         </p:txBody>
       </p:sp>
     </p:spTree>
     <p:extLst>
       <p:ext uri="{BB962C8B-B14F-4D97-AF65-F5344CB8AC3E}">
-        <p14:creationId xmlns:p14="http://schemas.microsoft.com/office/powerpoint/2010/main" val="3141774263"/>
+        <p14:creationId xmlns:p14="http://schemas.microsoft.com/office/powerpoint/2010/main" val="1831057906"/>
       </p:ext>
     </p:extLst>
   </p:cSld>
@@ -6660,53 +7008,72 @@
             <p:ph type="title"/>
           </p:nvPr>
         </p:nvSpPr>
-        <p:spPr>
-          <a:xfrm>
-            <a:off x="779463" y="381000"/>
-            <a:ext cx="7770167" cy="1044388"/>
-          </a:xfrm>
-        </p:spPr>
-        <p:txBody>
-          <a:bodyPr/>
-          <a:lstStyle/>
-          <a:p>
-            <a:r>
-              <a:rPr lang="en-US" sz="3600" dirty="0" smtClean="0"/>
-              <a:t>IV. IPTABLES </a:t>
-            </a:r>
-            <a:r>
-              <a:rPr lang="en-US" sz="3600" dirty="0" err="1" smtClean="0"/>
-              <a:t>xử</a:t>
-            </a:r>
-            <a:r>
-              <a:rPr lang="en-US" sz="3600" dirty="0" smtClean="0"/>
+        <p:spPr/>
+        <p:txBody>
+          <a:bodyPr/>
+          <a:lstStyle/>
+          <a:p>
+            <a:r>
+              <a:rPr lang="en-US" dirty="0" smtClean="0"/>
+              <a:t>V. </a:t>
+            </a:r>
+            <a:r>
+              <a:rPr lang="en-US" dirty="0" err="1" smtClean="0"/>
+              <a:t>Làm</a:t>
+            </a:r>
+            <a:r>
+              <a:rPr lang="en-US" dirty="0" smtClean="0"/>
               <a:t> </a:t>
             </a:r>
             <a:r>
-              <a:rPr lang="en-US" sz="3600" dirty="0" err="1" smtClean="0"/>
-              <a:t>lý</a:t>
-            </a:r>
-            <a:r>
-              <a:rPr lang="en-US" sz="3600" dirty="0" smtClean="0"/>
+              <a:rPr lang="en-US" dirty="0" err="1" smtClean="0"/>
+              <a:t>thế</a:t>
+            </a:r>
+            <a:r>
+              <a:rPr lang="en-US" dirty="0" smtClean="0"/>
               <a:t> </a:t>
             </a:r>
             <a:r>
-              <a:rPr lang="en-US" sz="3600" dirty="0" err="1" smtClean="0"/>
-              <a:t>các</a:t>
-            </a:r>
-            <a:r>
-              <a:rPr lang="en-US" sz="3600" dirty="0" smtClean="0"/>
-              <a:t> packet </a:t>
-            </a:r>
-            <a:r>
-              <a:rPr lang="en-US" sz="3600" dirty="0" err="1" smtClean="0"/>
-              <a:t>ntn</a:t>
-            </a:r>
-            <a:r>
-              <a:rPr lang="en-US" sz="3600" dirty="0" smtClean="0"/>
-              <a:t>?</a:t>
-            </a:r>
-            <a:endParaRPr lang="en-US" sz="3600" dirty="0"/>
+              <a:rPr lang="en-US" dirty="0" err="1" smtClean="0"/>
+              <a:t>nào</a:t>
+            </a:r>
+            <a:r>
+              <a:rPr lang="en-US" dirty="0" smtClean="0"/>
+              <a:t> </a:t>
+            </a:r>
+            <a:r>
+              <a:rPr lang="en-US" dirty="0" err="1" smtClean="0"/>
+              <a:t>để</a:t>
+            </a:r>
+            <a:r>
+              <a:rPr lang="en-US" dirty="0" smtClean="0"/>
+              <a:t> </a:t>
+            </a:r>
+            <a:r>
+              <a:rPr lang="en-US" dirty="0" err="1" smtClean="0"/>
+              <a:t>kiểm</a:t>
+            </a:r>
+            <a:r>
+              <a:rPr lang="en-US" dirty="0" smtClean="0"/>
+              <a:t> </a:t>
+            </a:r>
+            <a:r>
+              <a:rPr lang="en-US" dirty="0" err="1" smtClean="0"/>
+              <a:t>tra</a:t>
+            </a:r>
+            <a:r>
+              <a:rPr lang="en-US" dirty="0" smtClean="0"/>
+              <a:t> </a:t>
+            </a:r>
+            <a:r>
+              <a:rPr lang="en-US" dirty="0" err="1" smtClean="0"/>
+              <a:t>được</a:t>
+            </a:r>
+            <a:r>
+              <a:rPr lang="en-US" dirty="0" smtClean="0"/>
+              <a:t> IPTABLES</a:t>
+            </a:r>
+            <a:endParaRPr lang="en-US" dirty="0"/>
           </a:p>
         </p:txBody>
       </p:sp>
@@ -6732,7 +7099,7 @@
     </p:spTree>
     <p:extLst>
       <p:ext uri="{BB962C8B-B14F-4D97-AF65-F5344CB8AC3E}">
-        <p14:creationId xmlns:p14="http://schemas.microsoft.com/office/powerpoint/2010/main" val="1831057906"/>
+        <p14:creationId xmlns:p14="http://schemas.microsoft.com/office/powerpoint/2010/main" val="2274352333"/>
       </p:ext>
     </p:extLst>
   </p:cSld>
@@ -6775,66 +7142,9 @@
           <a:lstStyle/>
           <a:p>
             <a:r>
-              <a:rPr lang="en-US" dirty="0" smtClean="0"/>
-              <a:t>V. </a:t>
-            </a:r>
-            <a:r>
-              <a:rPr lang="en-US" dirty="0" err="1" smtClean="0"/>
-              <a:t>Làm</a:t>
-            </a:r>
-            <a:r>
-              <a:rPr lang="en-US" dirty="0" smtClean="0"/>
-              <a:t> </a:t>
-            </a:r>
-            <a:r>
-              <a:rPr lang="en-US" dirty="0" err="1" smtClean="0"/>
-              <a:t>thế</a:t>
-            </a:r>
-            <a:r>
-              <a:rPr lang="en-US" dirty="0" smtClean="0"/>
-              <a:t> </a:t>
-            </a:r>
-            <a:r>
-              <a:rPr lang="en-US" dirty="0" err="1" smtClean="0"/>
-              <a:t>nào</a:t>
-            </a:r>
-            <a:r>
-              <a:rPr lang="en-US" dirty="0" smtClean="0"/>
-              <a:t> </a:t>
-            </a:r>
-            <a:r>
-              <a:rPr lang="en-US" dirty="0" err="1" smtClean="0"/>
-              <a:t>để</a:t>
-            </a:r>
-            <a:r>
-              <a:rPr lang="en-US" dirty="0" smtClean="0"/>
-              <a:t> </a:t>
-            </a:r>
-            <a:r>
-              <a:rPr lang="en-US" dirty="0" err="1" smtClean="0"/>
-              <a:t>kiểm</a:t>
-            </a:r>
-            <a:r>
-              <a:rPr lang="en-US" dirty="0" smtClean="0"/>
-              <a:t> </a:t>
-            </a:r>
-            <a:r>
-              <a:rPr lang="en-US" dirty="0" err="1" smtClean="0"/>
-              <a:t>tra</a:t>
-            </a:r>
-            <a:r>
-              <a:rPr lang="en-US" dirty="0" smtClean="0"/>
-              <a:t> </a:t>
-            </a:r>
-            <a:r>
-              <a:rPr lang="en-US" dirty="0" err="1" smtClean="0"/>
-              <a:t>được</a:t>
-            </a:r>
-            <a:r>
-              <a:rPr lang="en-US" dirty="0" smtClean="0"/>
-              <a:t> IPTABLES</a:t>
-            </a:r>
-            <a:endParaRPr lang="en-US" dirty="0"/>
+              <a:rPr lang="en-US" dirty="0"/>
+              <a:t>VI. Switch Operations</a:t>
+            </a:r>
           </a:p>
         </p:txBody>
       </p:sp>
@@ -6860,7 +7170,7 @@
     </p:spTree>
     <p:extLst>
       <p:ext uri="{BB962C8B-B14F-4D97-AF65-F5344CB8AC3E}">
-        <p14:creationId xmlns:p14="http://schemas.microsoft.com/office/powerpoint/2010/main" val="2274352333"/>
+        <p14:creationId xmlns:p14="http://schemas.microsoft.com/office/powerpoint/2010/main" val="22799940"/>
       </p:ext>
     </p:extLst>
   </p:cSld>
@@ -6903,9 +7213,26 @@
           <a:lstStyle/>
           <a:p>
             <a:r>
-              <a:rPr lang="en-US" dirty="0"/>
-              <a:t>VI. Switch Operations</a:t>
-            </a:r>
+              <a:rPr lang="en-US" dirty="0" smtClean="0"/>
+              <a:t>VII.</a:t>
+            </a:r>
+            <a:r>
+              <a:rPr lang="fi-FI" dirty="0"/>
+              <a:t> </a:t>
+            </a:r>
+            <a:r>
+              <a:rPr lang="fi-FI" dirty="0" err="1"/>
+              <a:t>Targets</a:t>
+            </a:r>
+            <a:r>
+              <a:rPr lang="fi-FI" dirty="0"/>
+              <a:t> And </a:t>
+            </a:r>
+            <a:r>
+              <a:rPr lang="fi-FI" dirty="0" err="1"/>
+              <a:t>Jumps</a:t>
+            </a:r>
+            <a:endParaRPr lang="en-US" dirty="0"/>
           </a:p>
         </p:txBody>
       </p:sp>
@@ -6931,7 +7258,7 @@
     </p:spTree>
     <p:extLst>
       <p:ext uri="{BB962C8B-B14F-4D97-AF65-F5344CB8AC3E}">
-        <p14:creationId xmlns:p14="http://schemas.microsoft.com/office/powerpoint/2010/main" val="22799940"/>
+        <p14:creationId xmlns:p14="http://schemas.microsoft.com/office/powerpoint/2010/main" val="3720654910"/>
       </p:ext>
     </p:extLst>
   </p:cSld>
@@ -6975,23 +7302,11 @@
           <a:p>
             <a:r>
               <a:rPr lang="en-US" dirty="0" smtClean="0"/>
-              <a:t>VII.</a:t>
-            </a:r>
-            <a:r>
-              <a:rPr lang="fi-FI" dirty="0"/>
-              <a:t> </a:t>
-            </a:r>
-            <a:r>
-              <a:rPr lang="fi-FI" dirty="0" err="1"/>
-              <a:t>Targets</a:t>
-            </a:r>
-            <a:r>
-              <a:rPr lang="fi-FI" dirty="0"/>
-              <a:t> And </a:t>
-            </a:r>
-            <a:r>
-              <a:rPr lang="fi-FI" dirty="0" err="1"/>
-              <a:t>Jumps</a:t>
+              <a:t>VIII. </a:t>
+            </a:r>
+            <a:r>
+              <a:rPr lang="ro-RO" dirty="0" smtClean="0"/>
+              <a:t>Interfaces</a:t>
             </a:r>
             <a:endParaRPr lang="en-US" dirty="0"/>
           </a:p>
@@ -7019,7 +7334,7 @@
     </p:spTree>
     <p:extLst>
       <p:ext uri="{BB962C8B-B14F-4D97-AF65-F5344CB8AC3E}">
-        <p14:creationId xmlns:p14="http://schemas.microsoft.com/office/powerpoint/2010/main" val="3720654910"/>
+        <p14:creationId xmlns:p14="http://schemas.microsoft.com/office/powerpoint/2010/main" val="3486559281"/>
       </p:ext>
     </p:extLst>
   </p:cSld>
@@ -7056,20 +7371,20 @@
             <p:ph type="title"/>
           </p:nvPr>
         </p:nvSpPr>
-        <p:spPr/>
-        <p:txBody>
-          <a:bodyPr/>
-          <a:lstStyle/>
-          <a:p>
-            <a:r>
-              <a:rPr lang="en-US" dirty="0" smtClean="0"/>
-              <a:t>VIII. </a:t>
-            </a:r>
-            <a:r>
-              <a:rPr lang="ro-RO" dirty="0" smtClean="0"/>
-              <a:t>Interfaces</a:t>
-            </a:r>
-            <a:endParaRPr lang="en-US" dirty="0"/>
+        <p:spPr>
+          <a:xfrm>
+            <a:off x="779463" y="381000"/>
+            <a:ext cx="8188356" cy="1044388"/>
+          </a:xfrm>
+        </p:spPr>
+        <p:txBody>
+          <a:bodyPr/>
+          <a:lstStyle/>
+          <a:p>
+            <a:r>
+              <a:rPr lang="en-US" dirty="0"/>
+              <a:t>IX. Common Extended Match Criteria</a:t>
+            </a:r>
           </a:p>
         </p:txBody>
       </p:sp>
@@ -7095,7 +7410,7 @@
     </p:spTree>
     <p:extLst>
       <p:ext uri="{BB962C8B-B14F-4D97-AF65-F5344CB8AC3E}">
-        <p14:creationId xmlns:p14="http://schemas.microsoft.com/office/powerpoint/2010/main" val="3486559281"/>
+        <p14:creationId xmlns:p14="http://schemas.microsoft.com/office/powerpoint/2010/main" val="23448573"/>
       </p:ext>
     </p:extLst>
   </p:cSld>

--- a/Presentation1.pptx
+++ b/Presentation1.pptx
@@ -17,14 +17,6 @@
     <p:sldId id="266" r:id="rId11"/>
     <p:sldId id="267" r:id="rId12"/>
     <p:sldId id="268" r:id="rId13"/>
-    <p:sldId id="269" r:id="rId14"/>
-    <p:sldId id="270" r:id="rId15"/>
-    <p:sldId id="271" r:id="rId16"/>
-    <p:sldId id="272" r:id="rId17"/>
-    <p:sldId id="273" r:id="rId18"/>
-    <p:sldId id="274" r:id="rId19"/>
-    <p:sldId id="275" r:id="rId20"/>
-    <p:sldId id="276" r:id="rId21"/>
   </p:sldIdLst>
   <p:sldSz cx="9144000" cy="6858000" type="screen4x3"/>
   <p:notesSz cx="6858000" cy="9144000"/>
@@ -361,7 +353,7 @@
           <a:p>
             <a:fld id="{D140825E-4A15-4D39-8176-1F07E904CB30}" type="datetimeFigureOut">
               <a:rPr lang="en-US" smtClean="0"/>
-              <a:t>5/12/14</a:t>
+              <a:t>5/13/14</a:t>
             </a:fld>
             <a:endParaRPr lang="en-US"/>
           </a:p>
@@ -452,7 +444,7 @@
           <a:p>
             <a:fld id="{D140825E-4A15-4D39-8176-1F07E904CB30}" type="datetimeFigureOut">
               <a:rPr lang="en-US" smtClean="0"/>
-              <a:t>5/12/14</a:t>
+              <a:t>5/13/14</a:t>
             </a:fld>
             <a:endParaRPr lang="en-US"/>
           </a:p>
@@ -755,7 +747,7 @@
           <a:p>
             <a:fld id="{D140825E-4A15-4D39-8176-1F07E904CB30}" type="datetimeFigureOut">
               <a:rPr lang="en-US" smtClean="0"/>
-              <a:t>5/12/14</a:t>
+              <a:t>5/13/14</a:t>
             </a:fld>
             <a:endParaRPr lang="en-US"/>
           </a:p>
@@ -976,7 +968,7 @@
           <a:p>
             <a:fld id="{D140825E-4A15-4D39-8176-1F07E904CB30}" type="datetimeFigureOut">
               <a:rPr lang="en-US" smtClean="0"/>
-              <a:t>5/12/14</a:t>
+              <a:t>5/13/14</a:t>
             </a:fld>
             <a:endParaRPr lang="en-US"/>
           </a:p>
@@ -1364,7 +1356,7 @@
           <a:p>
             <a:fld id="{D140825E-4A15-4D39-8176-1F07E904CB30}" type="datetimeFigureOut">
               <a:rPr lang="en-US" smtClean="0"/>
-              <a:t>5/12/14</a:t>
+              <a:t>5/13/14</a:t>
             </a:fld>
             <a:endParaRPr lang="en-US"/>
           </a:p>
@@ -1672,7 +1664,7 @@
           <a:p>
             <a:fld id="{D140825E-4A15-4D39-8176-1F07E904CB30}" type="datetimeFigureOut">
               <a:rPr lang="en-US" smtClean="0"/>
-              <a:t>5/12/14</a:t>
+              <a:t>5/13/14</a:t>
             </a:fld>
             <a:endParaRPr lang="en-US"/>
           </a:p>
@@ -1870,7 +1862,7 @@
           <a:p>
             <a:fld id="{D140825E-4A15-4D39-8176-1F07E904CB30}" type="datetimeFigureOut">
               <a:rPr lang="en-US" smtClean="0"/>
-              <a:t>5/12/14</a:t>
+              <a:t>5/13/14</a:t>
             </a:fld>
             <a:endParaRPr lang="en-US"/>
           </a:p>
@@ -2073,7 +2065,7 @@
           <a:p>
             <a:fld id="{D140825E-4A15-4D39-8176-1F07E904CB30}" type="datetimeFigureOut">
               <a:rPr lang="en-US" smtClean="0"/>
-              <a:t>5/12/14</a:t>
+              <a:t>5/13/14</a:t>
             </a:fld>
             <a:endParaRPr lang="en-US"/>
           </a:p>
@@ -2266,7 +2258,7 @@
           <a:p>
             <a:fld id="{D140825E-4A15-4D39-8176-1F07E904CB30}" type="datetimeFigureOut">
               <a:rPr lang="en-US" smtClean="0"/>
-              <a:t>5/12/14</a:t>
+              <a:t>5/13/14</a:t>
             </a:fld>
             <a:endParaRPr lang="en-US"/>
           </a:p>
@@ -2538,7 +2530,7 @@
           <a:p>
             <a:fld id="{D140825E-4A15-4D39-8176-1F07E904CB30}" type="datetimeFigureOut">
               <a:rPr lang="en-US" smtClean="0"/>
-              <a:t>5/12/14</a:t>
+              <a:t>5/13/14</a:t>
             </a:fld>
             <a:endParaRPr lang="en-US"/>
           </a:p>
@@ -2849,7 +2841,7 @@
           <a:p>
             <a:fld id="{D140825E-4A15-4D39-8176-1F07E904CB30}" type="datetimeFigureOut">
               <a:rPr lang="en-US" smtClean="0"/>
-              <a:t>5/12/14</a:t>
+              <a:t>5/13/14</a:t>
             </a:fld>
             <a:endParaRPr lang="en-US"/>
           </a:p>
@@ -3315,7 +3307,7 @@
           <a:p>
             <a:fld id="{D140825E-4A15-4D39-8176-1F07E904CB30}" type="datetimeFigureOut">
               <a:rPr lang="en-US" smtClean="0"/>
-              <a:t>5/12/14</a:t>
+              <a:t>5/13/14</a:t>
             </a:fld>
             <a:endParaRPr lang="en-US"/>
           </a:p>
@@ -3679,7 +3671,7 @@
           <a:p>
             <a:fld id="{D140825E-4A15-4D39-8176-1F07E904CB30}" type="datetimeFigureOut">
               <a:rPr lang="en-US" smtClean="0"/>
-              <a:t>5/12/14</a:t>
+              <a:t>5/13/14</a:t>
             </a:fld>
             <a:endParaRPr lang="en-US"/>
           </a:p>
@@ -3990,7 +3982,7 @@
           <a:p>
             <a:fld id="{D140825E-4A15-4D39-8176-1F07E904CB30}" type="datetimeFigureOut">
               <a:rPr lang="en-US" smtClean="0"/>
-              <a:t>5/12/14</a:t>
+              <a:t>5/13/14</a:t>
             </a:fld>
             <a:endParaRPr lang="en-US"/>
           </a:p>
@@ -4301,7 +4293,7 @@
           <a:p>
             <a:fld id="{D140825E-4A15-4D39-8176-1F07E904CB30}" type="datetimeFigureOut">
               <a:rPr lang="en-US" smtClean="0"/>
-              <a:t>5/12/14</a:t>
+              <a:t>5/13/14</a:t>
             </a:fld>
             <a:endParaRPr lang="en-US"/>
           </a:p>
@@ -4786,7 +4778,7 @@
           <a:p>
             <a:fld id="{D140825E-4A15-4D39-8176-1F07E904CB30}" type="datetimeFigureOut">
               <a:rPr lang="en-US" smtClean="0"/>
-              <a:t>5/12/14</a:t>
+              <a:t>5/13/14</a:t>
             </a:fld>
             <a:endParaRPr lang="en-US"/>
           </a:p>
@@ -5049,7 +5041,7 @@
           <a:p>
             <a:fld id="{D140825E-4A15-4D39-8176-1F07E904CB30}" type="datetimeFigureOut">
               <a:rPr lang="en-US" smtClean="0"/>
-              <a:t>5/12/14</a:t>
+              <a:t>5/13/14</a:t>
             </a:fld>
             <a:endParaRPr lang="en-US"/>
           </a:p>
@@ -5483,10 +5475,34 @@
             <p:ph type="title"/>
           </p:nvPr>
         </p:nvSpPr>
+        <p:spPr/>
+        <p:txBody>
+          <a:bodyPr/>
+          <a:lstStyle/>
+          <a:p>
+            <a:pPr algn="ctr"/>
+            <a:r>
+              <a:rPr lang="en-US" dirty="0" smtClean="0"/>
+              <a:t>Accept packets from trusted IP address</a:t>
+            </a:r>
+            <a:endParaRPr lang="en-US" dirty="0"/>
+          </a:p>
+        </p:txBody>
+      </p:sp>
+      <p:sp>
+        <p:nvSpPr>
+          <p:cNvPr id="3" name="Content Placeholder 2"/>
+          <p:cNvSpPr>
+            <a:spLocks noGrp="1"/>
+          </p:cNvSpPr>
+          <p:nvPr>
+            <p:ph idx="1"/>
+          </p:nvPr>
+        </p:nvSpPr>
         <p:spPr>
           <a:xfrm>
-            <a:off x="779463" y="381000"/>
-            <a:ext cx="7583487" cy="1198936"/>
+            <a:off x="779463" y="1828800"/>
+            <a:ext cx="7995698" cy="4208930"/>
           </a:xfrm>
         </p:spPr>
         <p:txBody>
@@ -5494,34 +5510,140 @@
           <a:lstStyle/>
           <a:p>
             <a:r>
-              <a:rPr lang="en-US" dirty="0"/>
-              <a:t>Accept packets from trusted IP </a:t>
-            </a:r>
-            <a:br>
-              <a:rPr lang="en-US" dirty="0"/>
-            </a:br>
-            <a:r>
-              <a:rPr lang="en-US" dirty="0"/>
-              <a:t>addresses</a:t>
-            </a:r>
-          </a:p>
-        </p:txBody>
-      </p:sp>
-      <p:sp>
-        <p:nvSpPr>
-          <p:cNvPr id="3" name="Content Placeholder 2"/>
-          <p:cNvSpPr>
-            <a:spLocks noGrp="1"/>
-          </p:cNvSpPr>
-          <p:nvPr>
-            <p:ph idx="1"/>
-          </p:nvPr>
-        </p:nvSpPr>
-        <p:spPr/>
-        <p:txBody>
-          <a:bodyPr/>
-          <a:lstStyle/>
-          <a:p>
+              <a:rPr lang="en-US" dirty="0" smtClean="0"/>
+              <a:t>Allow the packets from a single IP</a:t>
+            </a:r>
+          </a:p>
+          <a:p>
+            <a:pPr marL="0" indent="0">
+              <a:buNone/>
+            </a:pPr>
+            <a:r>
+              <a:rPr lang="en-US" dirty="0" smtClean="0">
+                <a:solidFill>
+                  <a:srgbClr val="9DF131"/>
+                </a:solidFill>
+              </a:rPr>
+              <a:t>#</a:t>
+            </a:r>
+            <a:r>
+              <a:rPr lang="en-US" dirty="0" err="1" smtClean="0">
+                <a:solidFill>
+                  <a:srgbClr val="9DF131"/>
+                </a:solidFill>
+              </a:rPr>
+              <a:t>iptables</a:t>
+            </a:r>
+            <a:r>
+              <a:rPr lang="en-US" dirty="0" smtClean="0">
+                <a:solidFill>
+                  <a:srgbClr val="9DF131"/>
+                </a:solidFill>
+              </a:rPr>
+              <a:t> –A INPUT –s 192.168.0.4 –j ACCEPT</a:t>
+            </a:r>
+          </a:p>
+          <a:p>
+            <a:r>
+              <a:rPr lang="en-US" dirty="0" smtClean="0"/>
+              <a:t>Allow incoming packets from a range of IP </a:t>
+            </a:r>
+            <a:r>
+              <a:rPr lang="en-US" dirty="0" err="1" smtClean="0"/>
+              <a:t>addresss</a:t>
+            </a:r>
+            <a:r>
+              <a:rPr lang="en-US" dirty="0" smtClean="0"/>
+              <a:t>.</a:t>
+            </a:r>
+          </a:p>
+          <a:p>
+            <a:pPr marL="0" indent="0">
+              <a:buNone/>
+            </a:pPr>
+            <a:r>
+              <a:rPr lang="en-US" dirty="0" smtClean="0">
+                <a:solidFill>
+                  <a:srgbClr val="9DF131"/>
+                </a:solidFill>
+              </a:rPr>
+              <a:t>#</a:t>
+            </a:r>
+            <a:r>
+              <a:rPr lang="en-US" dirty="0" err="1" smtClean="0">
+                <a:solidFill>
+                  <a:srgbClr val="9DF131"/>
+                </a:solidFill>
+              </a:rPr>
+              <a:t>iptables</a:t>
+            </a:r>
+            <a:r>
+              <a:rPr lang="en-US" dirty="0" smtClean="0">
+                <a:solidFill>
+                  <a:srgbClr val="9DF131"/>
+                </a:solidFill>
+              </a:rPr>
+              <a:t> –A INPUT –s 192.168.0.0/24 –j ACCEPT</a:t>
+            </a:r>
+          </a:p>
+          <a:p>
+            <a:pPr marL="0" indent="0">
+              <a:buNone/>
+            </a:pPr>
+            <a:r>
+              <a:rPr lang="en-US" dirty="0" smtClean="0"/>
+              <a:t>Or</a:t>
+            </a:r>
+          </a:p>
+          <a:p>
+            <a:pPr marL="0" indent="0">
+              <a:buNone/>
+            </a:pPr>
+            <a:r>
+              <a:rPr lang="en-US" dirty="0">
+                <a:solidFill>
+                  <a:srgbClr val="9DF131"/>
+                </a:solidFill>
+              </a:rPr>
+              <a:t>#</a:t>
+            </a:r>
+            <a:r>
+              <a:rPr lang="en-US" dirty="0" err="1">
+                <a:solidFill>
+                  <a:srgbClr val="9DF131"/>
+                </a:solidFill>
+              </a:rPr>
+              <a:t>iptables</a:t>
+            </a:r>
+            <a:r>
+              <a:rPr lang="en-US" dirty="0">
+                <a:solidFill>
+                  <a:srgbClr val="9DF131"/>
+                </a:solidFill>
+              </a:rPr>
+              <a:t> –A INPUT –s 192.168.0.0</a:t>
+            </a:r>
+            <a:r>
+              <a:rPr lang="en-US" dirty="0" smtClean="0">
+                <a:solidFill>
+                  <a:srgbClr val="9DF131"/>
+                </a:solidFill>
+              </a:rPr>
+              <a:t>/255.255.255.0 </a:t>
+            </a:r>
+            <a:r>
+              <a:rPr lang="en-US" dirty="0">
+                <a:solidFill>
+                  <a:srgbClr val="9DF131"/>
+                </a:solidFill>
+              </a:rPr>
+              <a:t>–j ACCEPT</a:t>
+            </a:r>
+          </a:p>
+          <a:p>
+            <a:pPr marL="0" indent="0">
+              <a:buNone/>
+            </a:pPr>
             <a:endParaRPr lang="en-US" dirty="0"/>
           </a:p>
         </p:txBody>
@@ -5529,7 +5651,7 @@
     </p:spTree>
     <p:extLst>
       <p:ext uri="{BB962C8B-B14F-4D97-AF65-F5344CB8AC3E}">
-        <p14:creationId xmlns:p14="http://schemas.microsoft.com/office/powerpoint/2010/main" val="1342571929"/>
+        <p14:creationId xmlns:p14="http://schemas.microsoft.com/office/powerpoint/2010/main" val="2289317487"/>
       </p:ext>
     </p:extLst>
   </p:cSld>
@@ -5571,10 +5693,12 @@
           <a:bodyPr/>
           <a:lstStyle/>
           <a:p>
-            <a:r>
-              <a:rPr lang="en-US" dirty="0"/>
-              <a:t>Ports and Protocols</a:t>
-            </a:r>
+            <a:pPr algn="ctr"/>
+            <a:r>
+              <a:rPr lang="en-US" dirty="0" smtClean="0"/>
+              <a:t>Port and Protocols</a:t>
+            </a:r>
+            <a:endParaRPr lang="en-US" dirty="0"/>
           </a:p>
         </p:txBody>
       </p:sp>
@@ -5593,14 +5717,216 @@
           <a:bodyPr/>
           <a:lstStyle/>
           <a:p>
-            <a:endParaRPr lang="en-US"/>
+            <a:pPr marL="0" indent="0">
+              <a:buNone/>
+            </a:pPr>
+            <a:r>
+              <a:rPr lang="en-US" b="1" dirty="0" smtClean="0"/>
+              <a:t>[ -p &lt;protocol&gt; (</a:t>
+            </a:r>
+            <a:r>
+              <a:rPr lang="en-US" b="1" dirty="0" err="1" smtClean="0"/>
+              <a:t>tcp</a:t>
+            </a:r>
+            <a:r>
+              <a:rPr lang="en-US" b="1" dirty="0" smtClean="0"/>
+              <a:t>, </a:t>
+            </a:r>
+            <a:r>
+              <a:rPr lang="en-US" b="1" dirty="0" err="1" smtClean="0"/>
+              <a:t>udp</a:t>
+            </a:r>
+            <a:r>
+              <a:rPr lang="en-US" b="1" dirty="0" smtClean="0"/>
+              <a:t>, </a:t>
+            </a:r>
+            <a:r>
+              <a:rPr lang="en-US" b="1" dirty="0" err="1" smtClean="0"/>
+              <a:t>icmp</a:t>
+            </a:r>
+            <a:r>
+              <a:rPr lang="en-US" b="1" dirty="0" smtClean="0"/>
+              <a:t>, all)</a:t>
+            </a:r>
+          </a:p>
+          <a:p>
+            <a:pPr marL="0" indent="0">
+              <a:buNone/>
+            </a:pPr>
+            <a:r>
+              <a:rPr lang="en-US" b="1" dirty="0" smtClean="0"/>
+              <a:t>[ --</a:t>
+            </a:r>
+            <a:r>
+              <a:rPr lang="en-US" b="1" dirty="0" err="1" smtClean="0"/>
+              <a:t>dport</a:t>
+            </a:r>
+            <a:r>
+              <a:rPr lang="en-US" b="1" dirty="0" smtClean="0"/>
+              <a:t> destination port]	[ --sport source port]</a:t>
+            </a:r>
+          </a:p>
+          <a:p>
+            <a:r>
+              <a:rPr lang="en-US" dirty="0" smtClean="0"/>
+              <a:t>Accept </a:t>
+            </a:r>
+            <a:r>
+              <a:rPr lang="en-US" dirty="0" err="1" smtClean="0"/>
+              <a:t>tcp</a:t>
+            </a:r>
+            <a:r>
+              <a:rPr lang="en-US" dirty="0" smtClean="0"/>
+              <a:t> packets on destination port 80 (web)</a:t>
+            </a:r>
+          </a:p>
+          <a:p>
+            <a:pPr marL="0" indent="0">
+              <a:buNone/>
+            </a:pPr>
+            <a:r>
+              <a:rPr lang="en-US" dirty="0" smtClean="0">
+                <a:solidFill>
+                  <a:srgbClr val="9DF131"/>
+                </a:solidFill>
+              </a:rPr>
+              <a:t>#</a:t>
+            </a:r>
+            <a:r>
+              <a:rPr lang="en-US" dirty="0" err="1" smtClean="0">
+                <a:solidFill>
+                  <a:srgbClr val="9DF131"/>
+                </a:solidFill>
+              </a:rPr>
+              <a:t>iptables</a:t>
+            </a:r>
+            <a:r>
+              <a:rPr lang="en-US" dirty="0" smtClean="0">
+                <a:solidFill>
+                  <a:srgbClr val="9DF131"/>
+                </a:solidFill>
+              </a:rPr>
+              <a:t> –A INPUT –p </a:t>
+            </a:r>
+            <a:r>
+              <a:rPr lang="en-US" dirty="0" err="1" smtClean="0">
+                <a:solidFill>
+                  <a:srgbClr val="9DF131"/>
+                </a:solidFill>
+              </a:rPr>
+              <a:t>tcp</a:t>
+            </a:r>
+            <a:r>
+              <a:rPr lang="en-US" dirty="0" smtClean="0">
+                <a:solidFill>
+                  <a:srgbClr val="9DF131"/>
+                </a:solidFill>
+              </a:rPr>
+              <a:t> --</a:t>
+            </a:r>
+            <a:r>
+              <a:rPr lang="en-US" dirty="0" err="1" smtClean="0">
+                <a:solidFill>
+                  <a:srgbClr val="9DF131"/>
+                </a:solidFill>
+              </a:rPr>
+              <a:t>dport</a:t>
+            </a:r>
+            <a:r>
+              <a:rPr lang="en-US" dirty="0" smtClean="0">
+                <a:solidFill>
+                  <a:srgbClr val="9DF131"/>
+                </a:solidFill>
+              </a:rPr>
+              <a:t> 80 –j ACCEPT</a:t>
+            </a:r>
+          </a:p>
+          <a:p>
+            <a:r>
+              <a:rPr lang="en-US" dirty="0" smtClean="0"/>
+              <a:t>To include a port range. Accept </a:t>
+            </a:r>
+            <a:r>
+              <a:rPr lang="en-US" dirty="0" err="1" smtClean="0"/>
+              <a:t>tcp</a:t>
+            </a:r>
+            <a:r>
+              <a:rPr lang="en-US" dirty="0" smtClean="0"/>
+              <a:t> packets on destination ports 5901:5910</a:t>
+            </a:r>
+          </a:p>
+          <a:p>
+            <a:pPr marL="0" indent="0">
+              <a:buNone/>
+            </a:pPr>
+            <a:r>
+              <a:rPr lang="en-US" dirty="0" smtClean="0">
+                <a:solidFill>
+                  <a:srgbClr val="9DF131"/>
+                </a:solidFill>
+              </a:rPr>
+              <a:t>#</a:t>
+            </a:r>
+            <a:r>
+              <a:rPr lang="en-US" dirty="0" err="1" smtClean="0">
+                <a:solidFill>
+                  <a:srgbClr val="9DF131"/>
+                </a:solidFill>
+              </a:rPr>
+              <a:t>iptables</a:t>
+            </a:r>
+            <a:r>
+              <a:rPr lang="en-US" dirty="0" smtClean="0">
+                <a:solidFill>
+                  <a:srgbClr val="9DF131"/>
+                </a:solidFill>
+              </a:rPr>
+              <a:t> –A INPUT –p </a:t>
+            </a:r>
+            <a:r>
+              <a:rPr lang="en-US" dirty="0" err="1" smtClean="0">
+                <a:solidFill>
+                  <a:srgbClr val="9DF131"/>
+                </a:solidFill>
+              </a:rPr>
+              <a:t>tcp</a:t>
+            </a:r>
+            <a:r>
+              <a:rPr lang="en-US" dirty="0" smtClean="0">
+                <a:solidFill>
+                  <a:srgbClr val="9DF131"/>
+                </a:solidFill>
+              </a:rPr>
+              <a:t> --</a:t>
+            </a:r>
+            <a:r>
+              <a:rPr lang="en-US" dirty="0" err="1" smtClean="0">
+                <a:solidFill>
+                  <a:srgbClr val="9DF131"/>
+                </a:solidFill>
+              </a:rPr>
+              <a:t>dport</a:t>
+            </a:r>
+            <a:r>
+              <a:rPr lang="en-US" dirty="0" smtClean="0">
+                <a:solidFill>
+                  <a:srgbClr val="9DF131"/>
+                </a:solidFill>
+              </a:rPr>
+              <a:t> 5901:5910 –j ACCEPT</a:t>
+            </a:r>
+            <a:endParaRPr lang="en-US" dirty="0">
+              <a:solidFill>
+                <a:srgbClr val="9DF131"/>
+              </a:solidFill>
+            </a:endParaRPr>
           </a:p>
         </p:txBody>
       </p:sp>
     </p:spTree>
     <p:extLst>
       <p:ext uri="{BB962C8B-B14F-4D97-AF65-F5344CB8AC3E}">
-        <p14:creationId xmlns:p14="http://schemas.microsoft.com/office/powerpoint/2010/main" val="3677955963"/>
+        <p14:creationId xmlns:p14="http://schemas.microsoft.com/office/powerpoint/2010/main" val="1327766686"/>
       </p:ext>
     </p:extLst>
   </p:cSld>
@@ -5642,10 +5968,12 @@
           <a:bodyPr/>
           <a:lstStyle/>
           <a:p>
-            <a:r>
-              <a:rPr lang="en-US" dirty="0"/>
+            <a:pPr algn="ctr"/>
+            <a:r>
+              <a:rPr lang="en-US" dirty="0" smtClean="0"/>
               <a:t>Writing a Simple Rule Set</a:t>
             </a:r>
+            <a:endParaRPr lang="en-US" dirty="0"/>
           </a:p>
         </p:txBody>
       </p:sp>
@@ -5659,544 +5987,184 @@
             <p:ph idx="1"/>
           </p:nvPr>
         </p:nvSpPr>
-        <p:spPr/>
-        <p:txBody>
-          <a:bodyPr/>
+        <p:spPr>
+          <a:xfrm>
+            <a:off x="779463" y="1731737"/>
+            <a:ext cx="7583487" cy="4305993"/>
+          </a:xfrm>
+        </p:spPr>
+        <p:txBody>
+          <a:bodyPr>
+            <a:normAutofit fontScale="92500" lnSpcReduction="20000"/>
+          </a:bodyPr>
           <a:lstStyle/>
           <a:p>
-            <a:endParaRPr lang="en-US"/>
+            <a:pPr marL="0" indent="0">
+              <a:buNone/>
+            </a:pPr>
+            <a:r>
+              <a:rPr lang="en-US" dirty="0" smtClean="0"/>
+              <a:t>#</a:t>
+            </a:r>
+            <a:r>
+              <a:rPr lang="en-US" dirty="0" err="1" smtClean="0"/>
+              <a:t>iptables</a:t>
+            </a:r>
+            <a:r>
+              <a:rPr lang="en-US" dirty="0" smtClean="0"/>
+              <a:t> –P INPUT ACCEPT</a:t>
+            </a:r>
+          </a:p>
+          <a:p>
+            <a:pPr marL="0" indent="0">
+              <a:buNone/>
+            </a:pPr>
+            <a:r>
+              <a:rPr lang="en-US" dirty="0" smtClean="0"/>
+              <a:t>#</a:t>
+            </a:r>
+            <a:r>
+              <a:rPr lang="en-US" dirty="0" err="1" smtClean="0"/>
+              <a:t>iptables</a:t>
+            </a:r>
+            <a:r>
+              <a:rPr lang="en-US" dirty="0" smtClean="0"/>
+              <a:t> –P OUTPUT ACCEPT</a:t>
+            </a:r>
+          </a:p>
+          <a:p>
+            <a:pPr marL="0" indent="0">
+              <a:buNone/>
+            </a:pPr>
+            <a:r>
+              <a:rPr lang="en-US" dirty="0" smtClean="0"/>
+              <a:t>#</a:t>
+            </a:r>
+            <a:r>
+              <a:rPr lang="en-US" dirty="0" err="1" smtClean="0"/>
+              <a:t>iptables</a:t>
+            </a:r>
+            <a:r>
+              <a:rPr lang="en-US" dirty="0" smtClean="0"/>
+              <a:t> –P FORWARD DROP</a:t>
+            </a:r>
+          </a:p>
+          <a:p>
+            <a:pPr marL="0" indent="0">
+              <a:buNone/>
+            </a:pPr>
+            <a:r>
+              <a:rPr lang="en-US" dirty="0" smtClean="0"/>
+              <a:t>#</a:t>
+            </a:r>
+            <a:r>
+              <a:rPr lang="en-US" dirty="0" err="1" smtClean="0"/>
+              <a:t>iptables</a:t>
+            </a:r>
+            <a:r>
+              <a:rPr lang="en-US" dirty="0" smtClean="0"/>
+              <a:t> –F</a:t>
+            </a:r>
+          </a:p>
+          <a:p>
+            <a:pPr marL="0" indent="0">
+              <a:buNone/>
+            </a:pPr>
+            <a:r>
+              <a:rPr lang="en-US" dirty="0" smtClean="0"/>
+              <a:t>#</a:t>
+            </a:r>
+            <a:r>
+              <a:rPr lang="en-US" dirty="0" err="1" smtClean="0"/>
+              <a:t>iptables</a:t>
+            </a:r>
+            <a:r>
+              <a:rPr lang="en-US" dirty="0" smtClean="0"/>
+              <a:t> –A INPUT –</a:t>
+            </a:r>
+            <a:r>
+              <a:rPr lang="en-US" dirty="0" err="1" smtClean="0"/>
+              <a:t>i</a:t>
+            </a:r>
+            <a:r>
+              <a:rPr lang="en-US" dirty="0" smtClean="0"/>
+              <a:t> lo –j ACCEPT</a:t>
+            </a:r>
+          </a:p>
+          <a:p>
+            <a:pPr marL="0" indent="0">
+              <a:buNone/>
+            </a:pPr>
+            <a:r>
+              <a:rPr lang="en-US" dirty="0" smtClean="0"/>
+              <a:t>#</a:t>
+            </a:r>
+            <a:r>
+              <a:rPr lang="en-US" dirty="0" err="1" smtClean="0"/>
+              <a:t>iptables</a:t>
+            </a:r>
+            <a:r>
+              <a:rPr lang="en-US" dirty="0" smtClean="0"/>
+              <a:t> –A INPUT –m state –state ESTABLISHED,RELATED –j ACCEPT</a:t>
+            </a:r>
+          </a:p>
+          <a:p>
+            <a:pPr marL="0" indent="0">
+              <a:buNone/>
+            </a:pPr>
+            <a:r>
+              <a:rPr lang="en-US" dirty="0" smtClean="0"/>
+              <a:t>#</a:t>
+            </a:r>
+            <a:r>
+              <a:rPr lang="en-US" dirty="0" err="1" smtClean="0"/>
+              <a:t>iptables</a:t>
+            </a:r>
+            <a:r>
+              <a:rPr lang="en-US" dirty="0" smtClean="0"/>
+              <a:t> –A INPUT –p </a:t>
+            </a:r>
+            <a:r>
+              <a:rPr lang="en-US" dirty="0" err="1" smtClean="0"/>
+              <a:t>tcp</a:t>
+            </a:r>
+            <a:r>
+              <a:rPr lang="en-US" dirty="0" smtClean="0"/>
+              <a:t> –</a:t>
+            </a:r>
+            <a:r>
+              <a:rPr lang="en-US" dirty="0" err="1" smtClean="0"/>
+              <a:t>dport</a:t>
+            </a:r>
+            <a:r>
+              <a:rPr lang="en-US" dirty="0" smtClean="0"/>
+              <a:t> 22 –j ACCEPT</a:t>
+            </a:r>
+          </a:p>
+          <a:p>
+            <a:pPr marL="0" indent="0">
+              <a:buNone/>
+            </a:pPr>
+            <a:r>
+              <a:rPr lang="en-US" dirty="0" smtClean="0"/>
+              <a:t>#</a:t>
+            </a:r>
+            <a:r>
+              <a:rPr lang="en-US" dirty="0" err="1" smtClean="0"/>
+              <a:t>iptables</a:t>
+            </a:r>
+            <a:r>
+              <a:rPr lang="en-US" smtClean="0"/>
+              <a:t> –P INPUT DROP</a:t>
+            </a:r>
+            <a:endParaRPr lang="en-US" dirty="0" smtClean="0"/>
           </a:p>
         </p:txBody>
       </p:sp>
     </p:spTree>
     <p:extLst>
       <p:ext uri="{BB962C8B-B14F-4D97-AF65-F5344CB8AC3E}">
-        <p14:creationId xmlns:p14="http://schemas.microsoft.com/office/powerpoint/2010/main" val="1218863992"/>
-      </p:ext>
-    </p:extLst>
-  </p:cSld>
-  <p:clrMapOvr>
-    <a:masterClrMapping/>
-  </p:clrMapOvr>
-</p:sld>
-</file>
-
-<file path=ppt/slides/slide13.xml><?xml version="1.0" encoding="utf-8"?>
-<p:sld xmlns:a="http://schemas.openxmlformats.org/drawingml/2006/main" xmlns:r="http://schemas.openxmlformats.org/officeDocument/2006/relationships" xmlns:p="http://schemas.openxmlformats.org/presentationml/2006/main">
-  <p:cSld>
-    <p:spTree>
-      <p:nvGrpSpPr>
-        <p:cNvPr id="1" name=""/>
-        <p:cNvGrpSpPr/>
-        <p:nvPr/>
-      </p:nvGrpSpPr>
-      <p:grpSpPr>
-        <a:xfrm>
-          <a:off x="0" y="0"/>
-          <a:ext cx="0" cy="0"/>
-          <a:chOff x="0" y="0"/>
-          <a:chExt cx="0" cy="0"/>
-        </a:xfrm>
-      </p:grpSpPr>
-      <p:sp>
-        <p:nvSpPr>
-          <p:cNvPr id="2" name="Title 1"/>
-          <p:cNvSpPr>
-            <a:spLocks noGrp="1"/>
-          </p:cNvSpPr>
-          <p:nvPr>
-            <p:ph type="title"/>
-          </p:nvPr>
-        </p:nvSpPr>
-        <p:spPr/>
-        <p:txBody>
-          <a:bodyPr/>
-          <a:lstStyle/>
-          <a:p>
-            <a:r>
-              <a:rPr lang="en-US" dirty="0"/>
-              <a:t>Writing a Simple Rule Set (Contd.)</a:t>
-            </a:r>
-          </a:p>
-        </p:txBody>
-      </p:sp>
-      <p:sp>
-        <p:nvSpPr>
-          <p:cNvPr id="3" name="Content Placeholder 2"/>
-          <p:cNvSpPr>
-            <a:spLocks noGrp="1"/>
-          </p:cNvSpPr>
-          <p:nvPr>
-            <p:ph idx="1"/>
-          </p:nvPr>
-        </p:nvSpPr>
-        <p:spPr/>
-        <p:txBody>
-          <a:bodyPr/>
-          <a:lstStyle/>
-          <a:p>
-            <a:endParaRPr lang="en-US"/>
-          </a:p>
-        </p:txBody>
-      </p:sp>
-    </p:spTree>
-    <p:extLst>
-      <p:ext uri="{BB962C8B-B14F-4D97-AF65-F5344CB8AC3E}">
-        <p14:creationId xmlns:p14="http://schemas.microsoft.com/office/powerpoint/2010/main" val="1292329809"/>
-      </p:ext>
-    </p:extLst>
-  </p:cSld>
-  <p:clrMapOvr>
-    <a:masterClrMapping/>
-  </p:clrMapOvr>
-</p:sld>
-</file>
-
-<file path=ppt/slides/slide14.xml><?xml version="1.0" encoding="utf-8"?>
-<p:sld xmlns:a="http://schemas.openxmlformats.org/drawingml/2006/main" xmlns:r="http://schemas.openxmlformats.org/officeDocument/2006/relationships" xmlns:p="http://schemas.openxmlformats.org/presentationml/2006/main">
-  <p:cSld>
-    <p:spTree>
-      <p:nvGrpSpPr>
-        <p:cNvPr id="1" name=""/>
-        <p:cNvGrpSpPr/>
-        <p:nvPr/>
-      </p:nvGrpSpPr>
-      <p:grpSpPr>
-        <a:xfrm>
-          <a:off x="0" y="0"/>
-          <a:ext cx="0" cy="0"/>
-          <a:chOff x="0" y="0"/>
-          <a:chExt cx="0" cy="0"/>
-        </a:xfrm>
-      </p:grpSpPr>
-      <p:sp>
-        <p:nvSpPr>
-          <p:cNvPr id="2" name="Title 1"/>
-          <p:cNvSpPr>
-            <a:spLocks noGrp="1"/>
-          </p:cNvSpPr>
-          <p:nvPr>
-            <p:ph type="title"/>
-          </p:nvPr>
-        </p:nvSpPr>
-        <p:spPr/>
-        <p:txBody>
-          <a:bodyPr/>
-          <a:lstStyle/>
-          <a:p>
-            <a:r>
-              <a:rPr lang="en-US" dirty="0"/>
-              <a:t>Masquerading (Many to One NAT)</a:t>
-            </a:r>
-          </a:p>
-        </p:txBody>
-      </p:sp>
-      <p:sp>
-        <p:nvSpPr>
-          <p:cNvPr id="3" name="Content Placeholder 2"/>
-          <p:cNvSpPr>
-            <a:spLocks noGrp="1"/>
-          </p:cNvSpPr>
-          <p:nvPr>
-            <p:ph idx="1"/>
-          </p:nvPr>
-        </p:nvSpPr>
-        <p:spPr/>
-        <p:txBody>
-          <a:bodyPr/>
-          <a:lstStyle/>
-          <a:p>
-            <a:endParaRPr lang="en-US"/>
-          </a:p>
-        </p:txBody>
-      </p:sp>
-    </p:spTree>
-    <p:extLst>
-      <p:ext uri="{BB962C8B-B14F-4D97-AF65-F5344CB8AC3E}">
-        <p14:creationId xmlns:p14="http://schemas.microsoft.com/office/powerpoint/2010/main" val="3415404490"/>
-      </p:ext>
-    </p:extLst>
-  </p:cSld>
-  <p:clrMapOvr>
-    <a:masterClrMapping/>
-  </p:clrMapOvr>
-</p:sld>
-</file>
-
-<file path=ppt/slides/slide15.xml><?xml version="1.0" encoding="utf-8"?>
-<p:sld xmlns:a="http://schemas.openxmlformats.org/drawingml/2006/main" xmlns:r="http://schemas.openxmlformats.org/officeDocument/2006/relationships" xmlns:p="http://schemas.openxmlformats.org/presentationml/2006/main">
-  <p:cSld>
-    <p:spTree>
-      <p:nvGrpSpPr>
-        <p:cNvPr id="1" name=""/>
-        <p:cNvGrpSpPr/>
-        <p:nvPr/>
-      </p:nvGrpSpPr>
-      <p:grpSpPr>
-        <a:xfrm>
-          <a:off x="0" y="0"/>
-          <a:ext cx="0" cy="0"/>
-          <a:chOff x="0" y="0"/>
-          <a:chExt cx="0" cy="0"/>
-        </a:xfrm>
-      </p:grpSpPr>
-      <p:sp>
-        <p:nvSpPr>
-          <p:cNvPr id="2" name="Title 1"/>
-          <p:cNvSpPr>
-            <a:spLocks noGrp="1"/>
-          </p:cNvSpPr>
-          <p:nvPr>
-            <p:ph type="title"/>
-          </p:nvPr>
-        </p:nvSpPr>
-        <p:spPr/>
-        <p:txBody>
-          <a:bodyPr/>
-          <a:lstStyle/>
-          <a:p>
-            <a:r>
-              <a:rPr lang="en-US" dirty="0"/>
-              <a:t>Recovering From A Lost Script</a:t>
-            </a:r>
-          </a:p>
-        </p:txBody>
-      </p:sp>
-      <p:sp>
-        <p:nvSpPr>
-          <p:cNvPr id="3" name="Content Placeholder 2"/>
-          <p:cNvSpPr>
-            <a:spLocks noGrp="1"/>
-          </p:cNvSpPr>
-          <p:nvPr>
-            <p:ph idx="1"/>
-          </p:nvPr>
-        </p:nvSpPr>
-        <p:spPr/>
-        <p:txBody>
-          <a:bodyPr/>
-          <a:lstStyle/>
-          <a:p>
-            <a:endParaRPr lang="en-US"/>
-          </a:p>
-        </p:txBody>
-      </p:sp>
-    </p:spTree>
-    <p:extLst>
-      <p:ext uri="{BB962C8B-B14F-4D97-AF65-F5344CB8AC3E}">
-        <p14:creationId xmlns:p14="http://schemas.microsoft.com/office/powerpoint/2010/main" val="2455917376"/>
-      </p:ext>
-    </p:extLst>
-  </p:cSld>
-  <p:clrMapOvr>
-    <a:masterClrMapping/>
-  </p:clrMapOvr>
-</p:sld>
-</file>
-
-<file path=ppt/slides/slide16.xml><?xml version="1.0" encoding="utf-8"?>
-<p:sld xmlns:a="http://schemas.openxmlformats.org/drawingml/2006/main" xmlns:r="http://schemas.openxmlformats.org/officeDocument/2006/relationships" xmlns:p="http://schemas.openxmlformats.org/presentationml/2006/main">
-  <p:cSld>
-    <p:spTree>
-      <p:nvGrpSpPr>
-        <p:cNvPr id="1" name=""/>
-        <p:cNvGrpSpPr/>
-        <p:nvPr/>
-      </p:nvGrpSpPr>
-      <p:grpSpPr>
-        <a:xfrm>
-          <a:off x="0" y="0"/>
-          <a:ext cx="0" cy="0"/>
-          <a:chOff x="0" y="0"/>
-          <a:chExt cx="0" cy="0"/>
-        </a:xfrm>
-      </p:grpSpPr>
-      <p:sp>
-        <p:nvSpPr>
-          <p:cNvPr id="2" name="Title 1"/>
-          <p:cNvSpPr>
-            <a:spLocks noGrp="1"/>
-          </p:cNvSpPr>
-          <p:nvPr>
-            <p:ph type="title"/>
-          </p:nvPr>
-        </p:nvSpPr>
-        <p:spPr/>
-        <p:txBody>
-          <a:bodyPr/>
-          <a:lstStyle/>
-          <a:p>
-            <a:r>
-              <a:rPr lang="nl-NL" dirty="0" err="1"/>
-              <a:t>Troubleshooting</a:t>
-            </a:r>
-            <a:r>
-              <a:rPr lang="nl-NL" dirty="0"/>
-              <a:t> </a:t>
-            </a:r>
-            <a:r>
-              <a:rPr lang="nl-NL" dirty="0" err="1"/>
-              <a:t>iptables</a:t>
-            </a:r>
-            <a:endParaRPr lang="en-US" dirty="0"/>
-          </a:p>
-        </p:txBody>
-      </p:sp>
-      <p:sp>
-        <p:nvSpPr>
-          <p:cNvPr id="3" name="Content Placeholder 2"/>
-          <p:cNvSpPr>
-            <a:spLocks noGrp="1"/>
-          </p:cNvSpPr>
-          <p:nvPr>
-            <p:ph idx="1"/>
-          </p:nvPr>
-        </p:nvSpPr>
-        <p:spPr/>
-        <p:txBody>
-          <a:bodyPr/>
-          <a:lstStyle/>
-          <a:p>
-            <a:endParaRPr lang="en-US"/>
-          </a:p>
-        </p:txBody>
-      </p:sp>
-    </p:spTree>
-    <p:extLst>
-      <p:ext uri="{BB962C8B-B14F-4D97-AF65-F5344CB8AC3E}">
-        <p14:creationId xmlns:p14="http://schemas.microsoft.com/office/powerpoint/2010/main" val="2410303018"/>
-      </p:ext>
-    </p:extLst>
-  </p:cSld>
-  <p:clrMapOvr>
-    <a:masterClrMapping/>
-  </p:clrMapOvr>
-</p:sld>
-</file>
-
-<file path=ppt/slides/slide17.xml><?xml version="1.0" encoding="utf-8"?>
-<p:sld xmlns:a="http://schemas.openxmlformats.org/drawingml/2006/main" xmlns:r="http://schemas.openxmlformats.org/officeDocument/2006/relationships" xmlns:p="http://schemas.openxmlformats.org/presentationml/2006/main">
-  <p:cSld>
-    <p:spTree>
-      <p:nvGrpSpPr>
-        <p:cNvPr id="1" name=""/>
-        <p:cNvGrpSpPr/>
-        <p:nvPr/>
-      </p:nvGrpSpPr>
-      <p:grpSpPr>
-        <a:xfrm>
-          <a:off x="0" y="0"/>
-          <a:ext cx="0" cy="0"/>
-          <a:chOff x="0" y="0"/>
-          <a:chExt cx="0" cy="0"/>
-        </a:xfrm>
-      </p:grpSpPr>
-      <p:sp>
-        <p:nvSpPr>
-          <p:cNvPr id="2" name="Title 1"/>
-          <p:cNvSpPr>
-            <a:spLocks noGrp="1"/>
-          </p:cNvSpPr>
-          <p:nvPr>
-            <p:ph type="title"/>
-          </p:nvPr>
-        </p:nvSpPr>
-        <p:spPr/>
-        <p:txBody>
-          <a:bodyPr/>
-          <a:lstStyle/>
-          <a:p>
-            <a:r>
-              <a:rPr lang="en-US" dirty="0"/>
-              <a:t>Allowing DNS Access To Your Firewall</a:t>
-            </a:r>
-          </a:p>
-        </p:txBody>
-      </p:sp>
-      <p:sp>
-        <p:nvSpPr>
-          <p:cNvPr id="3" name="Content Placeholder 2"/>
-          <p:cNvSpPr>
-            <a:spLocks noGrp="1"/>
-          </p:cNvSpPr>
-          <p:nvPr>
-            <p:ph idx="1"/>
-          </p:nvPr>
-        </p:nvSpPr>
-        <p:spPr/>
-        <p:txBody>
-          <a:bodyPr/>
-          <a:lstStyle/>
-          <a:p>
-            <a:endParaRPr lang="en-US"/>
-          </a:p>
-        </p:txBody>
-      </p:sp>
-    </p:spTree>
-    <p:extLst>
-      <p:ext uri="{BB962C8B-B14F-4D97-AF65-F5344CB8AC3E}">
-        <p14:creationId xmlns:p14="http://schemas.microsoft.com/office/powerpoint/2010/main" val="1452258003"/>
-      </p:ext>
-    </p:extLst>
-  </p:cSld>
-  <p:clrMapOvr>
-    <a:masterClrMapping/>
-  </p:clrMapOvr>
-</p:sld>
-</file>
-
-<file path=ppt/slides/slide18.xml><?xml version="1.0" encoding="utf-8"?>
-<p:sld xmlns:a="http://schemas.openxmlformats.org/drawingml/2006/main" xmlns:r="http://schemas.openxmlformats.org/officeDocument/2006/relationships" xmlns:p="http://schemas.openxmlformats.org/presentationml/2006/main">
-  <p:cSld>
-    <p:spTree>
-      <p:nvGrpSpPr>
-        <p:cNvPr id="1" name=""/>
-        <p:cNvGrpSpPr/>
-        <p:nvPr/>
-      </p:nvGrpSpPr>
-      <p:grpSpPr>
-        <a:xfrm>
-          <a:off x="0" y="0"/>
-          <a:ext cx="0" cy="0"/>
-          <a:chOff x="0" y="0"/>
-          <a:chExt cx="0" cy="0"/>
-        </a:xfrm>
-      </p:grpSpPr>
-      <p:sp>
-        <p:nvSpPr>
-          <p:cNvPr id="2" name="Title 1"/>
-          <p:cNvSpPr>
-            <a:spLocks noGrp="1"/>
-          </p:cNvSpPr>
-          <p:nvPr>
-            <p:ph type="title"/>
-          </p:nvPr>
-        </p:nvSpPr>
-        <p:spPr/>
-        <p:txBody>
-          <a:bodyPr/>
-          <a:lstStyle/>
-          <a:p>
-            <a:r>
-              <a:rPr lang="en-US" dirty="0"/>
-              <a:t>Allowing WWW And SSH Access To </a:t>
-            </a:r>
-            <a:br>
-              <a:rPr lang="en-US" dirty="0"/>
-            </a:br>
-            <a:r>
-              <a:rPr lang="en-US" dirty="0"/>
-              <a:t>Your </a:t>
-            </a:r>
-            <a:r>
-              <a:rPr lang="en-US" dirty="0" smtClean="0"/>
-              <a:t>Firewall</a:t>
-            </a:r>
-            <a:endParaRPr lang="en-US" dirty="0"/>
-          </a:p>
-        </p:txBody>
-      </p:sp>
-      <p:sp>
-        <p:nvSpPr>
-          <p:cNvPr id="3" name="Content Placeholder 2"/>
-          <p:cNvSpPr>
-            <a:spLocks noGrp="1"/>
-          </p:cNvSpPr>
-          <p:nvPr>
-            <p:ph idx="1"/>
-          </p:nvPr>
-        </p:nvSpPr>
-        <p:spPr/>
-        <p:txBody>
-          <a:bodyPr/>
-          <a:lstStyle/>
-          <a:p>
-            <a:endParaRPr lang="en-US"/>
-          </a:p>
-        </p:txBody>
-      </p:sp>
-    </p:spTree>
-    <p:extLst>
-      <p:ext uri="{BB962C8B-B14F-4D97-AF65-F5344CB8AC3E}">
-        <p14:creationId xmlns:p14="http://schemas.microsoft.com/office/powerpoint/2010/main" val="2296183838"/>
-      </p:ext>
-    </p:extLst>
-  </p:cSld>
-  <p:clrMapOvr>
-    <a:masterClrMapping/>
-  </p:clrMapOvr>
-</p:sld>
-</file>
-
-<file path=ppt/slides/slide19.xml><?xml version="1.0" encoding="utf-8"?>
-<p:sld xmlns:a="http://schemas.openxmlformats.org/drawingml/2006/main" xmlns:r="http://schemas.openxmlformats.org/officeDocument/2006/relationships" xmlns:p="http://schemas.openxmlformats.org/presentationml/2006/main">
-  <p:cSld>
-    <p:spTree>
-      <p:nvGrpSpPr>
-        <p:cNvPr id="1" name=""/>
-        <p:cNvGrpSpPr/>
-        <p:nvPr/>
-      </p:nvGrpSpPr>
-      <p:grpSpPr>
-        <a:xfrm>
-          <a:off x="0" y="0"/>
-          <a:ext cx="0" cy="0"/>
-          <a:chOff x="0" y="0"/>
-          <a:chExt cx="0" cy="0"/>
-        </a:xfrm>
-      </p:grpSpPr>
-      <p:sp>
-        <p:nvSpPr>
-          <p:cNvPr id="2" name="Title 1"/>
-          <p:cNvSpPr>
-            <a:spLocks noGrp="1"/>
-          </p:cNvSpPr>
-          <p:nvPr>
-            <p:ph type="title"/>
-          </p:nvPr>
-        </p:nvSpPr>
-        <p:spPr/>
-        <p:txBody>
-          <a:bodyPr/>
-          <a:lstStyle/>
-          <a:p>
-            <a:r>
-              <a:rPr lang="en-US" sz="3200" dirty="0"/>
-              <a:t>Allowing Your Firewall To Access The </a:t>
-            </a:r>
-            <a:br>
-              <a:rPr lang="en-US" sz="3200" dirty="0"/>
-            </a:br>
-            <a:r>
-              <a:rPr lang="en-US" sz="3200" dirty="0"/>
-              <a:t>Internet</a:t>
-            </a:r>
-          </a:p>
-        </p:txBody>
-      </p:sp>
-      <p:sp>
-        <p:nvSpPr>
-          <p:cNvPr id="3" name="Content Placeholder 2"/>
-          <p:cNvSpPr>
-            <a:spLocks noGrp="1"/>
-          </p:cNvSpPr>
-          <p:nvPr>
-            <p:ph idx="1"/>
-          </p:nvPr>
-        </p:nvSpPr>
-        <p:spPr/>
-        <p:txBody>
-          <a:bodyPr/>
-          <a:lstStyle/>
-          <a:p>
-            <a:endParaRPr lang="en-US"/>
-          </a:p>
-        </p:txBody>
-      </p:sp>
-    </p:spTree>
-    <p:extLst>
-      <p:ext uri="{BB962C8B-B14F-4D97-AF65-F5344CB8AC3E}">
-        <p14:creationId xmlns:p14="http://schemas.microsoft.com/office/powerpoint/2010/main" val="812393108"/>
+        <p14:creationId xmlns:p14="http://schemas.microsoft.com/office/powerpoint/2010/main" val="1568197069"/>
       </p:ext>
     </p:extLst>
   </p:cSld>
@@ -6240,19 +6208,11 @@
           <a:p>
             <a:r>
               <a:rPr lang="en-US" dirty="0" smtClean="0"/>
-              <a:t>I. Firewall </a:t>
+              <a:t>What is </a:t>
             </a:r>
             <a:r>
               <a:rPr lang="en-US" dirty="0" err="1" smtClean="0"/>
-              <a:t>là</a:t>
-            </a:r>
-            <a:r>
-              <a:rPr lang="en-US" dirty="0" smtClean="0"/>
-              <a:t> </a:t>
-            </a:r>
-            <a:r>
-              <a:rPr lang="en-US" dirty="0" err="1" smtClean="0"/>
-              <a:t>gì</a:t>
+              <a:t>iptables</a:t>
             </a:r>
             <a:r>
               <a:rPr lang="en-US" dirty="0" smtClean="0"/>
@@ -6272,11 +6232,17 @@
             <p:ph idx="1"/>
           </p:nvPr>
         </p:nvSpPr>
-        <p:spPr/>
+        <p:spPr>
+          <a:xfrm>
+            <a:off x="779463" y="1828800"/>
+            <a:ext cx="7814041" cy="4208930"/>
+          </a:xfrm>
+        </p:spPr>
         <p:txBody>
           <a:bodyPr/>
           <a:lstStyle/>
           <a:p>
+            <a:pPr algn="just"/>
             <a:r>
               <a:rPr lang="en-US" dirty="0" err="1" smtClean="0"/>
               <a:t>Là</a:t>
@@ -6319,6 +6285,7 @@
             </a:r>
           </a:p>
           <a:p>
+            <a:pPr algn="just"/>
             <a:r>
               <a:rPr lang="en-US" dirty="0" err="1" smtClean="0"/>
               <a:t>Là</a:t>
@@ -6401,6 +6368,7 @@
             </a:r>
           </a:p>
           <a:p>
+            <a:pPr algn="just"/>
             <a:r>
               <a:rPr lang="en-US" dirty="0" err="1" smtClean="0"/>
               <a:t>Là</a:t>
@@ -6523,7 +6491,7 @@
             </a:r>
           </a:p>
           <a:p>
-            <a:pPr>
+            <a:pPr algn="just">
               <a:buFont typeface="Wingdings" charset="2"/>
               <a:buChar char="ü"/>
             </a:pPr>
@@ -6533,7 +6501,7 @@
             </a:r>
           </a:p>
           <a:p>
-            <a:pPr>
+            <a:pPr algn="just">
               <a:buFont typeface="Wingdings" charset="2"/>
               <a:buChar char="ü"/>
             </a:pPr>
@@ -6544,7 +6512,7 @@
             <a:endParaRPr lang="en-US" dirty="0"/>
           </a:p>
           <a:p>
-            <a:pPr>
+            <a:pPr algn="just">
               <a:buFont typeface="Wingdings" charset="2"/>
               <a:buChar char="ü"/>
             </a:pPr>
@@ -6559,89 +6527,6 @@
     <p:extLst>
       <p:ext uri="{BB962C8B-B14F-4D97-AF65-F5344CB8AC3E}">
         <p14:creationId xmlns:p14="http://schemas.microsoft.com/office/powerpoint/2010/main" val="3192520912"/>
-      </p:ext>
-    </p:extLst>
-  </p:cSld>
-  <p:clrMapOvr>
-    <a:masterClrMapping/>
-  </p:clrMapOvr>
-</p:sld>
-</file>
-
-<file path=ppt/slides/slide20.xml><?xml version="1.0" encoding="utf-8"?>
-<p:sld xmlns:a="http://schemas.openxmlformats.org/drawingml/2006/main" xmlns:r="http://schemas.openxmlformats.org/officeDocument/2006/relationships" xmlns:p="http://schemas.openxmlformats.org/presentationml/2006/main">
-  <p:cSld>
-    <p:spTree>
-      <p:nvGrpSpPr>
-        <p:cNvPr id="1" name=""/>
-        <p:cNvGrpSpPr/>
-        <p:nvPr/>
-      </p:nvGrpSpPr>
-      <p:grpSpPr>
-        <a:xfrm>
-          <a:off x="0" y="0"/>
-          <a:ext cx="0" cy="0"/>
-          <a:chOff x="0" y="0"/>
-          <a:chExt cx="0" cy="0"/>
-        </a:xfrm>
-      </p:grpSpPr>
-      <p:sp>
-        <p:nvSpPr>
-          <p:cNvPr id="2" name="Title 1"/>
-          <p:cNvSpPr>
-            <a:spLocks noGrp="1"/>
-          </p:cNvSpPr>
-          <p:nvPr>
-            <p:ph type="title"/>
-          </p:nvPr>
-        </p:nvSpPr>
-        <p:spPr/>
-        <p:txBody>
-          <a:bodyPr/>
-          <a:lstStyle/>
-          <a:p>
-            <a:r>
-              <a:rPr lang="en-US" sz="3600" dirty="0"/>
-              <a:t>Allow Your Home Network To Access </a:t>
-            </a:r>
-            <a:br>
-              <a:rPr lang="en-US" sz="3600" dirty="0"/>
-            </a:br>
-            <a:r>
-              <a:rPr lang="en-US" sz="3600" dirty="0"/>
-              <a:t>The </a:t>
-            </a:r>
-            <a:r>
-              <a:rPr lang="en-US" sz="3600" dirty="0" err="1"/>
-              <a:t>Firewal</a:t>
-            </a:r>
-            <a:endParaRPr lang="en-US" sz="3600" dirty="0"/>
-          </a:p>
-        </p:txBody>
-      </p:sp>
-      <p:sp>
-        <p:nvSpPr>
-          <p:cNvPr id="3" name="Content Placeholder 2"/>
-          <p:cNvSpPr>
-            <a:spLocks noGrp="1"/>
-          </p:cNvSpPr>
-          <p:nvPr>
-            <p:ph idx="1"/>
-          </p:nvPr>
-        </p:nvSpPr>
-        <p:spPr/>
-        <p:txBody>
-          <a:bodyPr/>
-          <a:lstStyle/>
-          <a:p>
-            <a:endParaRPr lang="en-US"/>
-          </a:p>
-        </p:txBody>
-      </p:sp>
-    </p:spTree>
-    <p:extLst>
-      <p:ext uri="{BB962C8B-B14F-4D97-AF65-F5344CB8AC3E}">
-        <p14:creationId xmlns:p14="http://schemas.microsoft.com/office/powerpoint/2010/main" val="804320960"/>
       </p:ext>
     </p:extLst>
   </p:cSld>
@@ -6678,183 +6563,164 @@
             <p:ph type="title"/>
           </p:nvPr>
         </p:nvSpPr>
-        <p:spPr/>
+        <p:spPr>
+          <a:xfrm>
+            <a:off x="779463" y="474624"/>
+            <a:ext cx="7583487" cy="796832"/>
+          </a:xfrm>
+        </p:spPr>
         <p:txBody>
           <a:bodyPr/>
           <a:lstStyle/>
           <a:p>
-            <a:r>
-              <a:rPr lang="en-US" dirty="0" smtClean="0"/>
-              <a:t>II. IPTABLES </a:t>
+            <a:pPr algn="ctr"/>
+            <a:r>
+              <a:rPr lang="en-US" dirty="0" smtClean="0"/>
+              <a:t>Packets Processing In </a:t>
             </a:r>
             <a:r>
               <a:rPr lang="en-US" dirty="0" err="1" smtClean="0"/>
-              <a:t>là</a:t>
-            </a:r>
-            <a:r>
-              <a:rPr lang="en-US" dirty="0" smtClean="0"/>
-              <a:t> </a:t>
+              <a:t>iptables</a:t>
+            </a:r>
+            <a:r>
+              <a:rPr lang="en-US" dirty="0" smtClean="0"/>
+              <a:t>.</a:t>
+            </a:r>
+            <a:endParaRPr lang="en-US" dirty="0"/>
+          </a:p>
+        </p:txBody>
+      </p:sp>
+      <p:sp>
+        <p:nvSpPr>
+          <p:cNvPr id="3" name="Content Placeholder 2"/>
+          <p:cNvSpPr>
+            <a:spLocks noGrp="1"/>
+          </p:cNvSpPr>
+          <p:nvPr>
+            <p:ph idx="1"/>
+          </p:nvPr>
+        </p:nvSpPr>
+        <p:spPr>
+          <a:xfrm>
+            <a:off x="593793" y="1425389"/>
+            <a:ext cx="7966723" cy="4842898"/>
+          </a:xfrm>
+        </p:spPr>
+        <p:txBody>
+          <a:bodyPr>
+            <a:normAutofit fontScale="70000" lnSpcReduction="20000"/>
+          </a:bodyPr>
+          <a:lstStyle/>
+          <a:p>
+            <a:pPr marL="0" indent="0" algn="just">
+              <a:buNone/>
+            </a:pPr>
+            <a:r>
+              <a:rPr lang="en-US" dirty="0" smtClean="0"/>
+              <a:t>All packets inspected by </a:t>
             </a:r>
             <a:r>
               <a:rPr lang="en-US" dirty="0" err="1" smtClean="0"/>
-              <a:t>gì</a:t>
-            </a:r>
-            <a:r>
-              <a:rPr lang="en-US" dirty="0" smtClean="0"/>
-              <a:t>??</a:t>
+              <a:t>iptables</a:t>
+            </a:r>
+            <a:r>
+              <a:rPr lang="en-US" dirty="0" smtClean="0"/>
+              <a:t> pass through a sequence of built-in tables (queues) for processing. There are three tables in total.</a:t>
+            </a:r>
+          </a:p>
+          <a:p>
+            <a:pPr algn="just"/>
+            <a:r>
+              <a:rPr lang="en-US" dirty="0" smtClean="0"/>
+              <a:t>The first is the mangle table which is responsible for the alteration of quality of service bits in the TCP header.</a:t>
+            </a:r>
+          </a:p>
+          <a:p>
+            <a:pPr algn="just"/>
+            <a:r>
+              <a:rPr lang="en-US" dirty="0" smtClean="0"/>
+              <a:t>The second table is the filter queue which is responsible for packet filtering. It has three built-in </a:t>
+            </a:r>
+            <a:r>
+              <a:rPr lang="en-US" dirty="0" err="1" smtClean="0"/>
+              <a:t>chanins</a:t>
+            </a:r>
+            <a:r>
+              <a:rPr lang="en-US" dirty="0" smtClean="0"/>
+              <a:t> in which you can place your firewall policy rules.</a:t>
+            </a:r>
+          </a:p>
+          <a:p>
+            <a:pPr marL="0" indent="0" algn="just">
+              <a:buNone/>
+            </a:pPr>
+            <a:r>
+              <a:rPr lang="en-US" dirty="0" smtClean="0"/>
+              <a:t>Three are the:</a:t>
+            </a:r>
+          </a:p>
+          <a:p>
+            <a:pPr marL="0" indent="0" algn="just">
+              <a:buNone/>
+            </a:pPr>
+            <a:r>
+              <a:rPr lang="en-US" u="sng" dirty="0" smtClean="0"/>
+              <a:t>Forward chain</a:t>
+            </a:r>
+            <a:r>
+              <a:rPr lang="en-US" dirty="0" smtClean="0"/>
+              <a:t>: filter packets to servers protected by the firewall.</a:t>
+            </a:r>
+          </a:p>
+          <a:p>
+            <a:pPr marL="0" indent="0" algn="just">
+              <a:buNone/>
+            </a:pPr>
+            <a:r>
+              <a:rPr lang="en-US" u="sng" dirty="0" smtClean="0"/>
+              <a:t>Input chain</a:t>
+            </a:r>
+            <a:r>
+              <a:rPr lang="en-US" dirty="0" smtClean="0"/>
+              <a:t>: Filters packets destined for the firewall.</a:t>
+            </a:r>
+          </a:p>
+          <a:p>
+            <a:pPr marL="0" indent="0" algn="just">
+              <a:buNone/>
+            </a:pPr>
+            <a:r>
+              <a:rPr lang="en-US" u="sng" dirty="0" smtClean="0"/>
+              <a:t>Output chain</a:t>
+            </a:r>
+            <a:r>
+              <a:rPr lang="en-US" dirty="0" smtClean="0"/>
+              <a:t>: Filters packets originating from the firewall.</a:t>
+            </a:r>
+          </a:p>
+          <a:p>
+            <a:pPr algn="just"/>
+            <a:r>
+              <a:rPr lang="en-US" dirty="0" smtClean="0"/>
+              <a:t>The third table is the </a:t>
+            </a:r>
+            <a:r>
+              <a:rPr lang="en-US" dirty="0" err="1" smtClean="0"/>
+              <a:t>nat</a:t>
+            </a:r>
+            <a:r>
+              <a:rPr lang="en-US" dirty="0" smtClean="0"/>
+              <a:t> queue which is responsible for network address translation. It has two built-in chains; these are:</a:t>
             </a:r>
             <a:endParaRPr lang="en-US" dirty="0"/>
           </a:p>
-        </p:txBody>
-      </p:sp>
-      <p:sp>
-        <p:nvSpPr>
-          <p:cNvPr id="3" name="Content Placeholder 2"/>
-          <p:cNvSpPr>
-            <a:spLocks noGrp="1"/>
-          </p:cNvSpPr>
-          <p:nvPr>
-            <p:ph idx="1"/>
-          </p:nvPr>
-        </p:nvSpPr>
-        <p:spPr/>
-        <p:txBody>
-          <a:bodyPr/>
-          <a:lstStyle/>
-          <a:p>
-            <a:r>
-              <a:rPr lang="en-US" dirty="0" err="1" smtClean="0"/>
-              <a:t>Là</a:t>
-            </a:r>
-            <a:r>
-              <a:rPr lang="en-US" dirty="0" smtClean="0"/>
-              <a:t> </a:t>
-            </a:r>
-            <a:r>
-              <a:rPr lang="en-US" dirty="0" err="1" smtClean="0"/>
-              <a:t>một</a:t>
-            </a:r>
-            <a:r>
-              <a:rPr lang="en-US" dirty="0" smtClean="0"/>
-              <a:t> </a:t>
-            </a:r>
-            <a:r>
-              <a:rPr lang="en-US" dirty="0" err="1" smtClean="0"/>
-              <a:t>chương</a:t>
-            </a:r>
-            <a:r>
-              <a:rPr lang="en-US" dirty="0" smtClean="0"/>
-              <a:t> </a:t>
-            </a:r>
-            <a:r>
-              <a:rPr lang="en-US" dirty="0" err="1" smtClean="0"/>
-              <a:t>trình</a:t>
-            </a:r>
-            <a:r>
-              <a:rPr lang="en-US" dirty="0" smtClean="0"/>
-              <a:t> Firewall </a:t>
-            </a:r>
-            <a:r>
-              <a:rPr lang="en-US" dirty="0" err="1" smtClean="0"/>
-              <a:t>trong</a:t>
-            </a:r>
-            <a:r>
-              <a:rPr lang="en-US" dirty="0" smtClean="0"/>
-              <a:t> </a:t>
-            </a:r>
-            <a:r>
-              <a:rPr lang="en-US" dirty="0" err="1" smtClean="0"/>
-              <a:t>nhân</a:t>
-            </a:r>
-            <a:r>
-              <a:rPr lang="en-US" dirty="0" smtClean="0"/>
-              <a:t> Linux.</a:t>
-            </a:r>
-          </a:p>
-          <a:p>
-            <a:r>
-              <a:rPr lang="en-US" dirty="0" smtClean="0"/>
-              <a:t>IPTABLES </a:t>
-            </a:r>
-            <a:r>
-              <a:rPr lang="en-US" dirty="0" err="1" smtClean="0"/>
-              <a:t>chịu</a:t>
-            </a:r>
-            <a:r>
-              <a:rPr lang="en-US" dirty="0" smtClean="0"/>
-              <a:t> </a:t>
-            </a:r>
-            <a:r>
-              <a:rPr lang="en-US" dirty="0" err="1" smtClean="0"/>
-              <a:t>trách</a:t>
-            </a:r>
-            <a:r>
-              <a:rPr lang="en-US" dirty="0" smtClean="0"/>
-              <a:t> </a:t>
-            </a:r>
-            <a:r>
-              <a:rPr lang="en-US" dirty="0" err="1" smtClean="0"/>
-              <a:t>nhiệm</a:t>
-            </a:r>
-            <a:r>
-              <a:rPr lang="en-US" dirty="0" smtClean="0"/>
-              <a:t> </a:t>
-            </a:r>
-            <a:r>
-              <a:rPr lang="en-US" dirty="0" err="1" smtClean="0"/>
-              <a:t>giao</a:t>
-            </a:r>
-            <a:r>
-              <a:rPr lang="en-US" dirty="0" smtClean="0"/>
-              <a:t> </a:t>
-            </a:r>
-            <a:r>
-              <a:rPr lang="en-US" dirty="0" err="1" smtClean="0"/>
-              <a:t>tiếp</a:t>
-            </a:r>
-            <a:r>
-              <a:rPr lang="en-US" dirty="0" smtClean="0"/>
-              <a:t> </a:t>
-            </a:r>
-            <a:r>
-              <a:rPr lang="en-US" dirty="0" err="1" smtClean="0"/>
-              <a:t>giữa</a:t>
-            </a:r>
-            <a:r>
-              <a:rPr lang="en-US" dirty="0" smtClean="0"/>
-              <a:t> </a:t>
-            </a:r>
-            <a:r>
-              <a:rPr lang="en-US" dirty="0" err="1" smtClean="0"/>
-              <a:t>người</a:t>
-            </a:r>
-            <a:r>
-              <a:rPr lang="en-US" dirty="0" smtClean="0"/>
-              <a:t> </a:t>
-            </a:r>
-            <a:r>
-              <a:rPr lang="en-US" dirty="0" err="1" smtClean="0"/>
-              <a:t>dùng</a:t>
-            </a:r>
-            <a:r>
-              <a:rPr lang="en-US" dirty="0" smtClean="0"/>
-              <a:t> </a:t>
-            </a:r>
-            <a:r>
-              <a:rPr lang="en-US" dirty="0" err="1" smtClean="0"/>
-              <a:t>và</a:t>
-            </a:r>
-            <a:r>
-              <a:rPr lang="en-US" dirty="0" smtClean="0"/>
-              <a:t> </a:t>
-            </a:r>
-            <a:r>
-              <a:rPr lang="en-US" dirty="0" err="1" smtClean="0"/>
-              <a:t>Netfilter</a:t>
-            </a:r>
-            <a:r>
-              <a:rPr lang="en-US" dirty="0" smtClean="0"/>
-              <a:t>.</a:t>
+          <a:p>
+            <a:pPr marL="0" indent="0" algn="just">
+              <a:buNone/>
+            </a:pPr>
+            <a:r>
+              <a:rPr lang="en-US" dirty="0" smtClean="0"/>
+              <a:t>Pre-routing chain: NATs packets when the source address of the packet needs to be changed.</a:t>
             </a:r>
           </a:p>
         </p:txBody>
@@ -6902,44 +6768,21 @@
         <p:spPr>
           <a:xfrm>
             <a:off x="779463" y="381000"/>
-            <a:ext cx="7770167" cy="1044388"/>
+            <a:ext cx="7770167" cy="735008"/>
           </a:xfrm>
         </p:spPr>
         <p:txBody>
           <a:bodyPr/>
           <a:lstStyle/>
           <a:p>
+            <a:pPr algn="ctr"/>
             <a:r>
               <a:rPr lang="en-US" sz="3600" dirty="0" smtClean="0"/>
-              <a:t>IV. IPTABLES </a:t>
+              <a:t>Check </a:t>
             </a:r>
             <a:r>
               <a:rPr lang="en-US" sz="3600" dirty="0" err="1" smtClean="0"/>
-              <a:t>xử</a:t>
-            </a:r>
-            <a:r>
-              <a:rPr lang="en-US" sz="3600" dirty="0" smtClean="0"/>
-              <a:t> </a:t>
-            </a:r>
-            <a:r>
-              <a:rPr lang="en-US" sz="3600" dirty="0" err="1" smtClean="0"/>
-              <a:t>lý</a:t>
-            </a:r>
-            <a:r>
-              <a:rPr lang="en-US" sz="3600" dirty="0" smtClean="0"/>
-              <a:t> </a:t>
-            </a:r>
-            <a:r>
-              <a:rPr lang="en-US" sz="3600" dirty="0" err="1" smtClean="0"/>
-              <a:t>các</a:t>
-            </a:r>
-            <a:r>
-              <a:rPr lang="en-US" sz="3600" dirty="0" smtClean="0"/>
-              <a:t> packet </a:t>
-            </a:r>
-            <a:r>
-              <a:rPr lang="en-US" sz="3600" dirty="0" err="1" smtClean="0"/>
-              <a:t>ntn</a:t>
+              <a:t>iptables</a:t>
             </a:r>
             <a:r>
               <a:rPr lang="en-US" sz="3600" dirty="0" smtClean="0"/>
@@ -6959,11 +6802,156 @@
             <p:ph idx="1"/>
           </p:nvPr>
         </p:nvSpPr>
-        <p:spPr/>
-        <p:txBody>
-          <a:bodyPr/>
+        <p:spPr>
+          <a:xfrm>
+            <a:off x="564485" y="1423873"/>
+            <a:ext cx="7798466" cy="4408614"/>
+          </a:xfrm>
+        </p:spPr>
+        <p:txBody>
+          <a:bodyPr>
+            <a:normAutofit fontScale="92500" lnSpcReduction="10000"/>
+          </a:bodyPr>
           <a:lstStyle/>
           <a:p>
+            <a:pPr algn="just"/>
+            <a:r>
+              <a:rPr lang="en-US" dirty="0" smtClean="0"/>
+              <a:t>Check </a:t>
+            </a:r>
+            <a:r>
+              <a:rPr lang="en-US" dirty="0" err="1" smtClean="0"/>
+              <a:t>iptables</a:t>
+            </a:r>
+            <a:r>
+              <a:rPr lang="en-US" dirty="0" smtClean="0"/>
+              <a:t> installed:</a:t>
+            </a:r>
+          </a:p>
+          <a:p>
+            <a:pPr marL="0" indent="0" algn="just">
+              <a:buNone/>
+            </a:pPr>
+            <a:r>
+              <a:rPr lang="en-US" dirty="0" smtClean="0"/>
+              <a:t>#rpm –q </a:t>
+            </a:r>
+            <a:r>
+              <a:rPr lang="en-US" dirty="0" err="1" smtClean="0"/>
+              <a:t>iptables</a:t>
+            </a:r>
+            <a:endParaRPr lang="en-US" dirty="0" smtClean="0"/>
+          </a:p>
+          <a:p>
+            <a:pPr algn="just"/>
+            <a:r>
+              <a:rPr lang="en-US" dirty="0" smtClean="0"/>
+              <a:t>Use the –L switch to inspect the currently loaded rules:</a:t>
+            </a:r>
+          </a:p>
+          <a:p>
+            <a:pPr marL="0" indent="0" algn="just">
+              <a:buNone/>
+            </a:pPr>
+            <a:r>
+              <a:rPr lang="en-US" dirty="0" smtClean="0"/>
+              <a:t>#</a:t>
+            </a:r>
+            <a:r>
+              <a:rPr lang="en-US" dirty="0" err="1" smtClean="0"/>
+              <a:t>iptables</a:t>
+            </a:r>
+            <a:r>
+              <a:rPr lang="en-US" dirty="0" smtClean="0"/>
+              <a:t> –L</a:t>
+            </a:r>
+          </a:p>
+          <a:p>
+            <a:pPr algn="just"/>
+            <a:r>
+              <a:rPr lang="en-US" dirty="0" smtClean="0"/>
+              <a:t>If </a:t>
+            </a:r>
+            <a:r>
+              <a:rPr lang="en-US" dirty="0" err="1" smtClean="0"/>
+              <a:t>iptables</a:t>
+            </a:r>
+            <a:r>
+              <a:rPr lang="en-US" dirty="0" smtClean="0"/>
+              <a:t> is not running, you can enable it by running</a:t>
+            </a:r>
+          </a:p>
+          <a:p>
+            <a:pPr marL="0" indent="0" algn="just">
+              <a:buNone/>
+            </a:pPr>
+            <a:r>
+              <a:rPr lang="en-US" dirty="0" smtClean="0"/>
+              <a:t>#system-</a:t>
+            </a:r>
+            <a:r>
+              <a:rPr lang="en-US" dirty="0" err="1" smtClean="0"/>
+              <a:t>config</a:t>
+            </a:r>
+            <a:r>
+              <a:rPr lang="en-US" dirty="0" smtClean="0"/>
+              <a:t>-</a:t>
+            </a:r>
+            <a:r>
+              <a:rPr lang="en-US" dirty="0" err="1" smtClean="0"/>
+              <a:t>securitylevel</a:t>
+            </a:r>
+            <a:endParaRPr lang="en-US" dirty="0" smtClean="0"/>
+          </a:p>
+          <a:p>
+            <a:pPr marL="0" indent="0" algn="just">
+              <a:buNone/>
+            </a:pPr>
+            <a:r>
+              <a:rPr lang="en-US" dirty="0" smtClean="0"/>
+              <a:t>Or</a:t>
+            </a:r>
+          </a:p>
+          <a:p>
+            <a:pPr marL="0" indent="0" algn="just">
+              <a:buNone/>
+            </a:pPr>
+            <a:r>
+              <a:rPr lang="en-US" dirty="0" smtClean="0"/>
+              <a:t>/</a:t>
+            </a:r>
+            <a:r>
+              <a:rPr lang="en-US" dirty="0" err="1" smtClean="0"/>
+              <a:t>etc</a:t>
+            </a:r>
+            <a:r>
+              <a:rPr lang="en-US" dirty="0" smtClean="0"/>
+              <a:t>/</a:t>
+            </a:r>
+            <a:r>
+              <a:rPr lang="en-US" dirty="0" err="1" smtClean="0"/>
+              <a:t>init.d</a:t>
+            </a:r>
+            <a:r>
+              <a:rPr lang="en-US" dirty="0" smtClean="0"/>
+              <a:t>/</a:t>
+            </a:r>
+            <a:r>
+              <a:rPr lang="en-US" dirty="0" err="1" smtClean="0"/>
+              <a:t>iptables</a:t>
+            </a:r>
+            <a:r>
+              <a:rPr lang="en-US" dirty="0" smtClean="0"/>
+              <a:t> start (use command with </a:t>
+            </a:r>
+            <a:r>
+              <a:rPr lang="en-US" dirty="0" err="1" smtClean="0"/>
+              <a:t>REDHat</a:t>
+            </a:r>
+            <a:r>
+              <a:rPr lang="en-US" dirty="0" smtClean="0"/>
+              <a:t> base system)</a:t>
+            </a:r>
             <a:endParaRPr lang="en-US" dirty="0"/>
           </a:p>
         </p:txBody>
@@ -7008,98 +6996,193 @@
             <p:ph type="title"/>
           </p:nvPr>
         </p:nvSpPr>
-        <p:spPr/>
+        <p:spPr>
+          <a:xfrm>
+            <a:off x="779463" y="381000"/>
+            <a:ext cx="7583487" cy="773491"/>
+          </a:xfrm>
+        </p:spPr>
         <p:txBody>
           <a:bodyPr/>
           <a:lstStyle/>
           <a:p>
-            <a:r>
-              <a:rPr lang="en-US" dirty="0" smtClean="0"/>
-              <a:t>V. </a:t>
+            <a:pPr algn="ctr"/>
+            <a:r>
+              <a:rPr lang="en-US" dirty="0" smtClean="0"/>
+              <a:t>Switch Operations</a:t>
+            </a:r>
+            <a:endParaRPr lang="en-US" dirty="0"/>
+          </a:p>
+        </p:txBody>
+      </p:sp>
+      <p:sp>
+        <p:nvSpPr>
+          <p:cNvPr id="3" name="Content Placeholder 2"/>
+          <p:cNvSpPr>
+            <a:spLocks noGrp="1"/>
+          </p:cNvSpPr>
+          <p:nvPr>
+            <p:ph idx="1"/>
+          </p:nvPr>
+        </p:nvSpPr>
+        <p:spPr>
+          <a:xfrm>
+            <a:off x="779463" y="1449528"/>
+            <a:ext cx="7583487" cy="4588202"/>
+          </a:xfrm>
+        </p:spPr>
+        <p:txBody>
+          <a:bodyPr>
+            <a:normAutofit/>
+          </a:bodyPr>
+          <a:lstStyle/>
+          <a:p>
+            <a:pPr algn="just"/>
+            <a:r>
+              <a:rPr lang="en-US" dirty="0" smtClean="0">
+                <a:solidFill>
+                  <a:srgbClr val="9DF131"/>
+                </a:solidFill>
+              </a:rPr>
+              <a:t>-t</a:t>
+            </a:r>
+            <a:r>
+              <a:rPr lang="en-US" dirty="0" smtClean="0"/>
+              <a:t> &lt;-table-&gt; table include: filter, </a:t>
             </a:r>
             <a:r>
               <a:rPr lang="en-US" dirty="0" err="1" smtClean="0"/>
-              <a:t>Làm</a:t>
-            </a:r>
-            <a:r>
-              <a:rPr lang="en-US" dirty="0" smtClean="0"/>
-              <a:t> </a:t>
+              <a:t>nat</a:t>
+            </a:r>
+            <a:r>
+              <a:rPr lang="en-US" dirty="0" smtClean="0"/>
+              <a:t>, mangle</a:t>
+            </a:r>
+          </a:p>
+          <a:p>
+            <a:pPr marL="0" indent="0" algn="just">
+              <a:buNone/>
+            </a:pPr>
+            <a:r>
+              <a:rPr lang="en-US" dirty="0" smtClean="0"/>
+              <a:t>Ex: </a:t>
             </a:r>
             <a:r>
               <a:rPr lang="en-US" dirty="0" err="1" smtClean="0"/>
-              <a:t>thế</a:t>
-            </a:r>
-            <a:r>
-              <a:rPr lang="en-US" dirty="0" smtClean="0"/>
-              <a:t> </a:t>
+              <a:t>iptables</a:t>
+            </a:r>
+            <a:r>
+              <a:rPr lang="en-US" dirty="0" smtClean="0"/>
+              <a:t> –t </a:t>
             </a:r>
             <a:r>
               <a:rPr lang="en-US" dirty="0" err="1" smtClean="0"/>
-              <a:t>nào</a:t>
-            </a:r>
-            <a:r>
-              <a:rPr lang="en-US" dirty="0" smtClean="0"/>
-              <a:t> </a:t>
+              <a:t>nat</a:t>
+            </a:r>
+            <a:r>
+              <a:rPr lang="en-US" dirty="0" smtClean="0"/>
+              <a:t> –P OUTPUT DROP.</a:t>
+            </a:r>
+          </a:p>
+          <a:p>
+            <a:pPr algn="just"/>
+            <a:r>
+              <a:rPr lang="en-US" dirty="0" smtClean="0">
+                <a:solidFill>
+                  <a:srgbClr val="9DF131"/>
+                </a:solidFill>
+              </a:rPr>
+              <a:t>-j</a:t>
+            </a:r>
+            <a:r>
+              <a:rPr lang="en-US" dirty="0" smtClean="0"/>
+              <a:t> &lt;target&gt; Jump to the specified target chain when the packet matches the current rule.</a:t>
+            </a:r>
+          </a:p>
+          <a:p>
+            <a:pPr marL="0" indent="0" algn="just">
+              <a:buNone/>
+            </a:pPr>
+            <a:r>
+              <a:rPr lang="en-US" dirty="0" smtClean="0"/>
+              <a:t>Ex: </a:t>
             </a:r>
             <a:r>
               <a:rPr lang="en-US" dirty="0" err="1" smtClean="0"/>
-              <a:t>để</a:t>
-            </a:r>
-            <a:r>
-              <a:rPr lang="en-US" dirty="0" smtClean="0"/>
-              <a:t> </a:t>
+              <a:t>iptables</a:t>
+            </a:r>
+            <a:r>
+              <a:rPr lang="en-US" dirty="0" smtClean="0"/>
+              <a:t> –A INPUT –p </a:t>
             </a:r>
             <a:r>
               <a:rPr lang="en-US" dirty="0" err="1" smtClean="0"/>
-              <a:t>kiểm</a:t>
-            </a:r>
-            <a:r>
-              <a:rPr lang="en-US" dirty="0" smtClean="0"/>
-              <a:t> </a:t>
+              <a:t>tcp</a:t>
+            </a:r>
+            <a:r>
+              <a:rPr lang="en-US" dirty="0" smtClean="0"/>
+              <a:t> --</a:t>
             </a:r>
             <a:r>
               <a:rPr lang="en-US" dirty="0" err="1" smtClean="0"/>
-              <a:t>tra</a:t>
-            </a:r>
-            <a:r>
-              <a:rPr lang="en-US" dirty="0" smtClean="0"/>
-              <a:t> </a:t>
-            </a:r>
-            <a:r>
-              <a:rPr lang="en-US" dirty="0" err="1" smtClean="0"/>
-              <a:t>được</a:t>
-            </a:r>
-            <a:r>
-              <a:rPr lang="en-US" dirty="0" smtClean="0"/>
-              <a:t> IPTABLES</a:t>
-            </a:r>
-            <a:endParaRPr lang="en-US" dirty="0"/>
-          </a:p>
-        </p:txBody>
-      </p:sp>
-      <p:sp>
-        <p:nvSpPr>
-          <p:cNvPr id="3" name="Content Placeholder 2"/>
-          <p:cNvSpPr>
-            <a:spLocks noGrp="1"/>
-          </p:cNvSpPr>
-          <p:nvPr>
-            <p:ph idx="1"/>
-          </p:nvPr>
-        </p:nvSpPr>
-        <p:spPr/>
-        <p:txBody>
-          <a:bodyPr/>
-          <a:lstStyle/>
-          <a:p>
-            <a:endParaRPr lang="en-US"/>
+              <a:t>dport</a:t>
+            </a:r>
+            <a:r>
+              <a:rPr lang="en-US" dirty="0" smtClean="0"/>
+              <a:t> 22 –j ACCEPT</a:t>
+            </a:r>
+          </a:p>
+          <a:p>
+            <a:pPr algn="just"/>
+            <a:r>
+              <a:rPr lang="en-US" dirty="0" smtClean="0">
+                <a:solidFill>
+                  <a:srgbClr val="9DF131"/>
+                </a:solidFill>
+              </a:rPr>
+              <a:t>-A</a:t>
+            </a:r>
+            <a:r>
+              <a:rPr lang="en-US" dirty="0" smtClean="0"/>
+              <a:t>	Append rule to end of a chain.</a:t>
+            </a:r>
+          </a:p>
+          <a:p>
+            <a:pPr algn="just"/>
+            <a:r>
+              <a:rPr lang="en-US" dirty="0" smtClean="0">
+                <a:solidFill>
+                  <a:srgbClr val="9DF131"/>
+                </a:solidFill>
+              </a:rPr>
+              <a:t>-F</a:t>
+            </a:r>
+            <a:r>
+              <a:rPr lang="en-US" dirty="0" smtClean="0"/>
+              <a:t>	Flush. Deletes all the rules in the selected table.</a:t>
+            </a:r>
+          </a:p>
+          <a:p>
+            <a:pPr algn="just"/>
+            <a:r>
+              <a:rPr lang="en-US" dirty="0" smtClean="0">
+                <a:solidFill>
+                  <a:srgbClr val="9DF131"/>
+                </a:solidFill>
+              </a:rPr>
+              <a:t>-P</a:t>
+            </a:r>
+            <a:r>
+              <a:rPr lang="en-US" dirty="0" smtClean="0"/>
+              <a:t>	Set the default policy in the selected table.</a:t>
+            </a:r>
           </a:p>
         </p:txBody>
       </p:sp>
     </p:spTree>
     <p:extLst>
       <p:ext uri="{BB962C8B-B14F-4D97-AF65-F5344CB8AC3E}">
-        <p14:creationId xmlns:p14="http://schemas.microsoft.com/office/powerpoint/2010/main" val="2274352333"/>
+        <p14:creationId xmlns:p14="http://schemas.microsoft.com/office/powerpoint/2010/main" val="3231321005"/>
       </p:ext>
     </p:extLst>
   </p:cSld>
@@ -7141,10 +7224,16 @@
           <a:bodyPr/>
           <a:lstStyle/>
           <a:p>
+            <a:pPr algn="ctr"/>
             <a:r>
               <a:rPr lang="en-US" dirty="0"/>
-              <a:t>VI. Switch Operations</a:t>
-            </a:r>
+              <a:t>Switch </a:t>
+            </a:r>
+            <a:r>
+              <a:rPr lang="en-US" dirty="0" smtClean="0"/>
+              <a:t>Operations (contd.)</a:t>
+            </a:r>
+            <a:endParaRPr lang="en-US" dirty="0"/>
           </a:p>
         </p:txBody>
       </p:sp>
@@ -7163,14 +7252,130 @@
           <a:bodyPr/>
           <a:lstStyle/>
           <a:p>
-            <a:endParaRPr lang="en-US"/>
+            <a:r>
+              <a:rPr lang="en-US" dirty="0">
+                <a:solidFill>
+                  <a:srgbClr val="9DF131"/>
+                </a:solidFill>
+              </a:rPr>
+              <a:t>-p</a:t>
+            </a:r>
+            <a:r>
+              <a:rPr lang="en-US" dirty="0"/>
+              <a:t> &lt;protocol-type&gt; </a:t>
+            </a:r>
+            <a:r>
+              <a:rPr lang="en-US" dirty="0" err="1"/>
+              <a:t>icmp</a:t>
+            </a:r>
+            <a:r>
+              <a:rPr lang="en-US" dirty="0"/>
+              <a:t>, </a:t>
+            </a:r>
+            <a:r>
+              <a:rPr lang="en-US" dirty="0" err="1"/>
+              <a:t>tcp</a:t>
+            </a:r>
+            <a:r>
+              <a:rPr lang="en-US" dirty="0"/>
+              <a:t>, </a:t>
+            </a:r>
+            <a:r>
+              <a:rPr lang="en-US" dirty="0" err="1"/>
+              <a:t>udp</a:t>
+            </a:r>
+            <a:r>
+              <a:rPr lang="en-US" dirty="0"/>
+              <a:t>, and all.</a:t>
+            </a:r>
+          </a:p>
+          <a:p>
+            <a:r>
+              <a:rPr lang="en-US" dirty="0">
+                <a:solidFill>
+                  <a:srgbClr val="9DF131"/>
+                </a:solidFill>
+              </a:rPr>
+              <a:t>-s</a:t>
+            </a:r>
+            <a:r>
+              <a:rPr lang="en-US" dirty="0"/>
+              <a:t> &lt;</a:t>
+            </a:r>
+            <a:r>
+              <a:rPr lang="en-US" dirty="0" err="1"/>
+              <a:t>ip</a:t>
+            </a:r>
+            <a:r>
+              <a:rPr lang="en-US" dirty="0"/>
+              <a:t>-address&gt;	source IP address.</a:t>
+            </a:r>
+          </a:p>
+          <a:p>
+            <a:r>
+              <a:rPr lang="en-US" dirty="0">
+                <a:solidFill>
+                  <a:srgbClr val="9DF131"/>
+                </a:solidFill>
+              </a:rPr>
+              <a:t>-d</a:t>
+            </a:r>
+            <a:r>
+              <a:rPr lang="en-US" dirty="0"/>
+              <a:t> &lt;</a:t>
+            </a:r>
+            <a:r>
+              <a:rPr lang="en-US" dirty="0" err="1"/>
+              <a:t>ip</a:t>
+            </a:r>
+            <a:r>
+              <a:rPr lang="en-US" dirty="0"/>
+              <a:t>-address&gt;	destination IP address</a:t>
+            </a:r>
+          </a:p>
+          <a:p>
+            <a:r>
+              <a:rPr lang="en-US" dirty="0" smtClean="0">
+                <a:solidFill>
+                  <a:srgbClr val="9DF131"/>
+                </a:solidFill>
+              </a:rPr>
+              <a:t>-</a:t>
+            </a:r>
+            <a:r>
+              <a:rPr lang="en-US" dirty="0" err="1" smtClean="0">
+                <a:solidFill>
+                  <a:srgbClr val="9DF131"/>
+                </a:solidFill>
+              </a:rPr>
+              <a:t>i</a:t>
+            </a:r>
+            <a:r>
+              <a:rPr lang="en-US" dirty="0" smtClean="0"/>
+              <a:t> &lt;interface-name&gt; “input” interface on which the packet enters.</a:t>
+            </a:r>
+          </a:p>
+          <a:p>
+            <a:r>
+              <a:rPr lang="en-US" dirty="0" smtClean="0">
+                <a:solidFill>
+                  <a:srgbClr val="9DF131"/>
+                </a:solidFill>
+              </a:rPr>
+              <a:t>-o</a:t>
+            </a:r>
+            <a:r>
+              <a:rPr lang="en-US" dirty="0" smtClean="0"/>
+              <a:t> &lt;interface-name&gt; “output” interface on which the packet exit.</a:t>
+            </a:r>
+            <a:endParaRPr lang="en-US" dirty="0"/>
           </a:p>
         </p:txBody>
       </p:sp>
     </p:spTree>
     <p:extLst>
       <p:ext uri="{BB962C8B-B14F-4D97-AF65-F5344CB8AC3E}">
-        <p14:creationId xmlns:p14="http://schemas.microsoft.com/office/powerpoint/2010/main" val="22799940"/>
+        <p14:creationId xmlns:p14="http://schemas.microsoft.com/office/powerpoint/2010/main" val="1087483768"/>
       </p:ext>
     </p:extLst>
   </p:cSld>
@@ -7212,53 +7417,249 @@
           <a:bodyPr/>
           <a:lstStyle/>
           <a:p>
-            <a:r>
-              <a:rPr lang="en-US" dirty="0" smtClean="0"/>
-              <a:t>VII.</a:t>
-            </a:r>
-            <a:r>
-              <a:rPr lang="fi-FI" dirty="0"/>
+            <a:pPr algn="ctr"/>
+            <a:r>
+              <a:rPr lang="en-US" dirty="0" smtClean="0"/>
+              <a:t>Targets And Jumps</a:t>
+            </a:r>
+            <a:endParaRPr lang="en-US" dirty="0"/>
+          </a:p>
+        </p:txBody>
+      </p:sp>
+      <p:sp>
+        <p:nvSpPr>
+          <p:cNvPr id="3" name="Content Placeholder 2"/>
+          <p:cNvSpPr>
+            <a:spLocks noGrp="1"/>
+          </p:cNvSpPr>
+          <p:nvPr>
+            <p:ph idx="1"/>
+          </p:nvPr>
+        </p:nvSpPr>
+        <p:spPr/>
+        <p:txBody>
+          <a:bodyPr>
+            <a:normAutofit fontScale="70000" lnSpcReduction="20000"/>
+          </a:bodyPr>
+          <a:lstStyle/>
+          <a:p>
+            <a:pPr algn="just"/>
+            <a:r>
+              <a:rPr lang="en-US" dirty="0" smtClean="0">
+                <a:solidFill>
+                  <a:schemeClr val="accent3">
+                    <a:lumMod val="60000"/>
+                    <a:lumOff val="40000"/>
+                  </a:schemeClr>
+                </a:solidFill>
+              </a:rPr>
+              <a:t>ACCEPT</a:t>
+            </a:r>
+            <a:r>
+              <a:rPr lang="en-US" dirty="0" smtClean="0"/>
+              <a:t>: </a:t>
+            </a:r>
+            <a:r>
+              <a:rPr lang="en-US" dirty="0" err="1" smtClean="0"/>
+              <a:t>iptables</a:t>
+            </a:r>
+            <a:r>
+              <a:rPr lang="en-US" dirty="0" smtClean="0"/>
+              <a:t> stop further processing. The packet is </a:t>
+            </a:r>
+            <a:r>
+              <a:rPr lang="en-US" b="1" dirty="0" smtClean="0">
+                <a:solidFill>
+                  <a:srgbClr val="FFFF00"/>
+                </a:solidFill>
+              </a:rPr>
+              <a:t>handed over </a:t>
+            </a:r>
+            <a:r>
+              <a:rPr lang="en-US" dirty="0" smtClean="0"/>
+              <a:t>to the end application or the operating system for processing.</a:t>
+            </a:r>
+          </a:p>
+          <a:p>
+            <a:pPr algn="just"/>
+            <a:r>
+              <a:rPr lang="en-US" dirty="0" smtClean="0">
+                <a:solidFill>
+                  <a:srgbClr val="9DF131"/>
+                </a:solidFill>
+              </a:rPr>
+              <a:t>DROP</a:t>
+            </a:r>
+            <a:r>
+              <a:rPr lang="en-US" dirty="0" smtClean="0"/>
+              <a:t>: </a:t>
+            </a:r>
+            <a:r>
+              <a:rPr lang="en-US" dirty="0" err="1" smtClean="0"/>
+              <a:t>iptables</a:t>
+            </a:r>
+            <a:r>
+              <a:rPr lang="en-US" dirty="0" smtClean="0"/>
               <a:t> </a:t>
             </a:r>
             <a:r>
-              <a:rPr lang="fi-FI" dirty="0" err="1"/>
-              <a:t>Targets</a:t>
-            </a:r>
-            <a:r>
-              <a:rPr lang="fi-FI" dirty="0"/>
-              <a:t> And </a:t>
-            </a:r>
-            <a:r>
-              <a:rPr lang="fi-FI" dirty="0" err="1"/>
-              <a:t>Jumps</a:t>
+              <a:rPr lang="en-US" b="1" dirty="0" smtClean="0">
+                <a:solidFill>
+                  <a:srgbClr val="FFFF00"/>
+                </a:solidFill>
+              </a:rPr>
+              <a:t>stops</a:t>
+            </a:r>
+            <a:r>
+              <a:rPr lang="en-US" dirty="0" smtClean="0">
+                <a:solidFill>
+                  <a:srgbClr val="FFFF00"/>
+                </a:solidFill>
+              </a:rPr>
+              <a:t> </a:t>
+            </a:r>
+            <a:r>
+              <a:rPr lang="en-US" dirty="0" smtClean="0"/>
+              <a:t>further processing. The packet is </a:t>
+            </a:r>
+            <a:r>
+              <a:rPr lang="en-US" b="1" dirty="0" smtClean="0">
+                <a:solidFill>
+                  <a:srgbClr val="FFFF00"/>
+                </a:solidFill>
+              </a:rPr>
+              <a:t>blocked</a:t>
+            </a:r>
+            <a:r>
+              <a:rPr lang="en-US" dirty="0" smtClean="0"/>
+              <a:t>.</a:t>
+            </a:r>
+          </a:p>
+          <a:p>
+            <a:pPr algn="just"/>
+            <a:r>
+              <a:rPr lang="en-US" dirty="0" smtClean="0">
+                <a:solidFill>
+                  <a:srgbClr val="9DF131"/>
+                </a:solidFill>
+              </a:rPr>
+              <a:t>LOG</a:t>
+            </a:r>
+            <a:r>
+              <a:rPr lang="en-US" dirty="0" smtClean="0"/>
+              <a:t>: the packet information is sent to the syslog daemon for logging </a:t>
+            </a:r>
+            <a:r>
+              <a:rPr lang="en-US" dirty="0" err="1" smtClean="0"/>
+              <a:t>iptables</a:t>
+            </a:r>
+            <a:r>
+              <a:rPr lang="en-US" dirty="0" smtClean="0"/>
+              <a:t> continues processing with the next rule in the table.</a:t>
+            </a:r>
+          </a:p>
+          <a:p>
+            <a:pPr algn="just"/>
+            <a:r>
+              <a:rPr lang="en-US" dirty="0" smtClean="0">
+                <a:solidFill>
+                  <a:srgbClr val="9DF131"/>
+                </a:solidFill>
+              </a:rPr>
+              <a:t>REJECT</a:t>
+            </a:r>
+            <a:r>
+              <a:rPr lang="en-US" dirty="0" smtClean="0"/>
+              <a:t>: works like the </a:t>
+            </a:r>
+            <a:r>
+              <a:rPr lang="en-US" b="1" dirty="0" smtClean="0">
+                <a:solidFill>
+                  <a:srgbClr val="FFFF00"/>
+                </a:solidFill>
+              </a:rPr>
+              <a:t>DROP</a:t>
+            </a:r>
+            <a:r>
+              <a:rPr lang="en-US" dirty="0" smtClean="0">
+                <a:solidFill>
+                  <a:srgbClr val="FFFF00"/>
+                </a:solidFill>
+              </a:rPr>
+              <a:t> </a:t>
+            </a:r>
+            <a:r>
+              <a:rPr lang="en-US" dirty="0" smtClean="0"/>
+              <a:t>target, but will also </a:t>
+            </a:r>
+            <a:r>
+              <a:rPr lang="en-US" b="1" dirty="0" smtClean="0">
+                <a:solidFill>
+                  <a:srgbClr val="FFFF00"/>
+                </a:solidFill>
+              </a:rPr>
+              <a:t>return an error message</a:t>
+            </a:r>
+            <a:r>
+              <a:rPr lang="en-US" dirty="0" smtClean="0"/>
+              <a:t> to the host sending the packet that the packet was blocked.</a:t>
+            </a:r>
+          </a:p>
+          <a:p>
+            <a:pPr algn="just"/>
+            <a:r>
+              <a:rPr lang="en-US" dirty="0" smtClean="0">
+                <a:solidFill>
+                  <a:schemeClr val="accent3">
+                    <a:lumMod val="60000"/>
+                    <a:lumOff val="40000"/>
+                  </a:schemeClr>
+                </a:solidFill>
+              </a:rPr>
+              <a:t>DNAT</a:t>
+            </a:r>
+            <a:r>
+              <a:rPr lang="en-US" dirty="0" smtClean="0"/>
+              <a:t>: Used to do destination network address translation, rewriting the destination IP address of the packet.</a:t>
+            </a:r>
+          </a:p>
+          <a:p>
+            <a:pPr algn="just"/>
+            <a:r>
+              <a:rPr lang="en-US" dirty="0" smtClean="0">
+                <a:solidFill>
+                  <a:srgbClr val="9DF131"/>
+                </a:solidFill>
+              </a:rPr>
+              <a:t>SNAT</a:t>
+            </a:r>
+            <a:r>
+              <a:rPr lang="en-US" dirty="0" smtClean="0"/>
+              <a:t>: Used to do source network address translation, rewriting the source IP address of the packet. The source IP address is user defined.</a:t>
+            </a:r>
+          </a:p>
+          <a:p>
+            <a:pPr algn="just"/>
+            <a:r>
+              <a:rPr lang="en-US" dirty="0" smtClean="0">
+                <a:solidFill>
+                  <a:srgbClr val="9DF131"/>
+                </a:solidFill>
+              </a:rPr>
+              <a:t>MASQUERADE</a:t>
+            </a:r>
+            <a:r>
+              <a:rPr lang="en-US" dirty="0" smtClean="0"/>
+              <a:t>: Used to do Source Network Address Translation. By default the source IP address is the same as the used by the firewall’s interface.</a:t>
             </a:r>
             <a:endParaRPr lang="en-US" dirty="0"/>
-          </a:p>
-        </p:txBody>
-      </p:sp>
-      <p:sp>
-        <p:nvSpPr>
-          <p:cNvPr id="3" name="Content Placeholder 2"/>
-          <p:cNvSpPr>
-            <a:spLocks noGrp="1"/>
-          </p:cNvSpPr>
-          <p:nvPr>
-            <p:ph idx="1"/>
-          </p:nvPr>
-        </p:nvSpPr>
-        <p:spPr/>
-        <p:txBody>
-          <a:bodyPr/>
-          <a:lstStyle/>
-          <a:p>
-            <a:endParaRPr lang="en-US"/>
           </a:p>
         </p:txBody>
       </p:sp>
     </p:spTree>
     <p:extLst>
       <p:ext uri="{BB962C8B-B14F-4D97-AF65-F5344CB8AC3E}">
-        <p14:creationId xmlns:p14="http://schemas.microsoft.com/office/powerpoint/2010/main" val="3720654910"/>
+        <p14:creationId xmlns:p14="http://schemas.microsoft.com/office/powerpoint/2010/main" val="2457670745"/>
       </p:ext>
     </p:extLst>
   </p:cSld>
@@ -7295,18 +7696,20 @@
             <p:ph type="title"/>
           </p:nvPr>
         </p:nvSpPr>
-        <p:spPr/>
+        <p:spPr>
+          <a:xfrm>
+            <a:off x="779463" y="381000"/>
+            <a:ext cx="7583487" cy="760664"/>
+          </a:xfrm>
+        </p:spPr>
         <p:txBody>
           <a:bodyPr/>
           <a:lstStyle/>
           <a:p>
-            <a:r>
-              <a:rPr lang="en-US" dirty="0" smtClean="0"/>
-              <a:t>VIII. </a:t>
-            </a:r>
-            <a:r>
-              <a:rPr lang="ro-RO" dirty="0" smtClean="0"/>
-              <a:t>Interfaces</a:t>
+            <a:pPr algn="ctr"/>
+            <a:r>
+              <a:rPr lang="en-US" dirty="0" smtClean="0"/>
+              <a:t>Interface</a:t>
             </a:r>
             <a:endParaRPr lang="en-US" dirty="0"/>
           </a:p>
@@ -7322,19 +7725,149 @@
             <p:ph idx="1"/>
           </p:nvPr>
         </p:nvSpPr>
-        <p:spPr/>
+        <p:spPr>
+          <a:xfrm>
+            <a:off x="779463" y="1475184"/>
+            <a:ext cx="7583487" cy="4562546"/>
+          </a:xfrm>
+        </p:spPr>
         <p:txBody>
           <a:bodyPr/>
           <a:lstStyle/>
           <a:p>
-            <a:endParaRPr lang="en-US"/>
+            <a:pPr algn="just"/>
+            <a:r>
+              <a:rPr lang="en-US" dirty="0" smtClean="0"/>
+              <a:t>Allows </a:t>
+            </a:r>
+            <a:r>
+              <a:rPr lang="en-US" dirty="0" err="1" smtClean="0"/>
+              <a:t>localhost</a:t>
+            </a:r>
+            <a:r>
+              <a:rPr lang="en-US" dirty="0" smtClean="0"/>
+              <a:t> </a:t>
+            </a:r>
+            <a:r>
+              <a:rPr lang="en-US" u="sng" dirty="0" smtClean="0"/>
+              <a:t>interface</a:t>
+            </a:r>
+            <a:r>
+              <a:rPr lang="en-US" dirty="0" smtClean="0"/>
+              <a:t> 127.0.0.1</a:t>
+            </a:r>
+          </a:p>
+          <a:p>
+            <a:pPr marL="0" indent="0" algn="just">
+              <a:buNone/>
+            </a:pPr>
+            <a:r>
+              <a:rPr lang="en-US" dirty="0" smtClean="0"/>
+              <a:t>#</a:t>
+            </a:r>
+            <a:r>
+              <a:rPr lang="en-US" dirty="0" err="1" smtClean="0"/>
+              <a:t>iptables</a:t>
+            </a:r>
+            <a:r>
+              <a:rPr lang="en-US" dirty="0" smtClean="0"/>
+              <a:t> –A INPUT –</a:t>
+            </a:r>
+            <a:r>
+              <a:rPr lang="en-US" dirty="0" err="1" smtClean="0"/>
+              <a:t>i</a:t>
+            </a:r>
+            <a:r>
+              <a:rPr lang="en-US" dirty="0" smtClean="0"/>
+              <a:t> lo –j ACCEPT</a:t>
+            </a:r>
+          </a:p>
+          <a:p>
+            <a:pPr algn="just"/>
+            <a:r>
+              <a:rPr lang="en-US" dirty="0" smtClean="0"/>
+              <a:t>Allows eth0 which is our internal LAN connection, (eth0 and eth1 are </a:t>
+            </a:r>
+            <a:r>
+              <a:rPr lang="en-US" dirty="0" err="1" smtClean="0"/>
+              <a:t>ethernet</a:t>
+            </a:r>
+            <a:r>
+              <a:rPr lang="en-US" dirty="0" smtClean="0"/>
+              <a:t> </a:t>
+            </a:r>
+            <a:r>
+              <a:rPr lang="en-US" dirty="0" err="1" smtClean="0"/>
+              <a:t>interfacesm</a:t>
+            </a:r>
+            <a:r>
+              <a:rPr lang="en-US" dirty="0" smtClean="0"/>
+              <a:t> they can be either internet or private network interfaces)</a:t>
+            </a:r>
+          </a:p>
+          <a:p>
+            <a:pPr marL="0" indent="0" algn="just">
+              <a:buNone/>
+            </a:pPr>
+            <a:r>
+              <a:rPr lang="en-US" dirty="0" smtClean="0"/>
+              <a:t>#</a:t>
+            </a:r>
+            <a:r>
+              <a:rPr lang="en-US" dirty="0" err="1" smtClean="0"/>
+              <a:t>iptables</a:t>
+            </a:r>
+            <a:r>
+              <a:rPr lang="en-US" dirty="0" smtClean="0"/>
+              <a:t> –A INPUT –</a:t>
+            </a:r>
+            <a:r>
+              <a:rPr lang="en-US" dirty="0" err="1" smtClean="0"/>
+              <a:t>i</a:t>
+            </a:r>
+            <a:r>
+              <a:rPr lang="en-US" dirty="0" smtClean="0"/>
+              <a:t> eth0 –j ACCEPT</a:t>
+            </a:r>
+          </a:p>
+          <a:p>
+            <a:pPr algn="just"/>
+            <a:r>
+              <a:rPr lang="en-US" dirty="0" smtClean="0"/>
+              <a:t>Allows ppp0 dialup modem which is our external internet connection</a:t>
+            </a:r>
+          </a:p>
+          <a:p>
+            <a:pPr marL="0" indent="0" algn="just">
+              <a:buNone/>
+            </a:pPr>
+            <a:r>
+              <a:rPr lang="en-US" dirty="0" smtClean="0"/>
+              <a:t>#</a:t>
+            </a:r>
+            <a:r>
+              <a:rPr lang="en-US" dirty="0" err="1" smtClean="0"/>
+              <a:t>iptables</a:t>
+            </a:r>
+            <a:r>
+              <a:rPr lang="en-US" dirty="0" smtClean="0"/>
+              <a:t> –A INPUT –</a:t>
+            </a:r>
+            <a:r>
+              <a:rPr lang="en-US" dirty="0" err="1" smtClean="0"/>
+              <a:t>i</a:t>
+            </a:r>
+            <a:r>
+              <a:rPr lang="en-US" dirty="0" smtClean="0"/>
+              <a:t> ppp0 –j ACCEPT</a:t>
+            </a:r>
           </a:p>
         </p:txBody>
       </p:sp>
     </p:spTree>
     <p:extLst>
       <p:ext uri="{BB962C8B-B14F-4D97-AF65-F5344CB8AC3E}">
-        <p14:creationId xmlns:p14="http://schemas.microsoft.com/office/powerpoint/2010/main" val="3486559281"/>
+        <p14:creationId xmlns:p14="http://schemas.microsoft.com/office/powerpoint/2010/main" val="661475111"/>
       </p:ext>
     </p:extLst>
   </p:cSld>
@@ -7371,46 +7904,211 @@
             <p:ph type="title"/>
           </p:nvPr>
         </p:nvSpPr>
+        <p:spPr/>
+        <p:txBody>
+          <a:bodyPr/>
+          <a:lstStyle/>
+          <a:p>
+            <a:pPr algn="ctr"/>
+            <a:r>
+              <a:rPr lang="en-US" dirty="0" err="1" smtClean="0"/>
+              <a:t>Coomon</a:t>
+            </a:r>
+            <a:r>
+              <a:rPr lang="en-US" dirty="0" smtClean="0"/>
+              <a:t> Extended Match Criteria</a:t>
+            </a:r>
+            <a:endParaRPr lang="en-US" dirty="0"/>
+          </a:p>
+        </p:txBody>
+      </p:sp>
+      <p:sp>
+        <p:nvSpPr>
+          <p:cNvPr id="3" name="Content Placeholder 2"/>
+          <p:cNvSpPr>
+            <a:spLocks noGrp="1"/>
+          </p:cNvSpPr>
+          <p:nvPr>
+            <p:ph idx="1"/>
+          </p:nvPr>
+        </p:nvSpPr>
         <p:spPr>
           <a:xfrm>
-            <a:off x="779463" y="381000"/>
-            <a:ext cx="8188356" cy="1044388"/>
+            <a:off x="525996" y="1425389"/>
+            <a:ext cx="8172189" cy="4911486"/>
           </a:xfrm>
         </p:spPr>
         <p:txBody>
-          <a:bodyPr/>
+          <a:bodyPr>
+            <a:normAutofit fontScale="55000" lnSpcReduction="20000"/>
+          </a:bodyPr>
           <a:lstStyle/>
           <a:p>
-            <a:r>
-              <a:rPr lang="en-US" dirty="0"/>
-              <a:t>IX. Common Extended Match Criteria</a:t>
-            </a:r>
-          </a:p>
-        </p:txBody>
-      </p:sp>
-      <p:sp>
-        <p:nvSpPr>
-          <p:cNvPr id="3" name="Content Placeholder 2"/>
-          <p:cNvSpPr>
-            <a:spLocks noGrp="1"/>
-          </p:cNvSpPr>
-          <p:nvPr>
-            <p:ph idx="1"/>
-          </p:nvPr>
-        </p:nvSpPr>
-        <p:spPr/>
-        <p:txBody>
-          <a:bodyPr/>
-          <a:lstStyle/>
-          <a:p>
-            <a:endParaRPr lang="en-US"/>
+            <a:pPr algn="just"/>
+            <a:r>
+              <a:rPr lang="en-US" dirty="0" smtClean="0"/>
+              <a:t>A variety of TCP/UDP source ports separated by commas. Unlike when –m isn’t used, they do not have to be within a range.</a:t>
+            </a:r>
+          </a:p>
+          <a:p>
+            <a:pPr marL="0" indent="0" algn="just">
+              <a:buNone/>
+            </a:pPr>
+            <a:r>
+              <a:rPr lang="en-US" dirty="0" smtClean="0">
+                <a:solidFill>
+                  <a:srgbClr val="9DF131"/>
+                </a:solidFill>
+              </a:rPr>
+              <a:t>-m multiport --sports &lt;port, port&gt;</a:t>
+            </a:r>
+          </a:p>
+          <a:p>
+            <a:pPr algn="just"/>
+            <a:r>
+              <a:rPr lang="en-US" dirty="0" smtClean="0"/>
+              <a:t>A variety of TCP/UDP </a:t>
+            </a:r>
+            <a:r>
+              <a:rPr lang="en-US" dirty="0" err="1" smtClean="0"/>
+              <a:t>destiantion</a:t>
+            </a:r>
+            <a:r>
+              <a:rPr lang="en-US" dirty="0" smtClean="0"/>
+              <a:t> port separated by commas. Unlike when –m isn’t used, they do not have to be within a range.</a:t>
+            </a:r>
+          </a:p>
+          <a:p>
+            <a:pPr marL="0" indent="0" algn="just">
+              <a:buNone/>
+            </a:pPr>
+            <a:r>
+              <a:rPr lang="en-US" dirty="0" smtClean="0">
+                <a:solidFill>
+                  <a:srgbClr val="9DF131"/>
+                </a:solidFill>
+              </a:rPr>
+              <a:t>-m multiport --</a:t>
+            </a:r>
+            <a:r>
+              <a:rPr lang="en-US" dirty="0" err="1" smtClean="0">
+                <a:solidFill>
+                  <a:srgbClr val="9DF131"/>
+                </a:solidFill>
+              </a:rPr>
+              <a:t>dports</a:t>
+            </a:r>
+            <a:r>
+              <a:rPr lang="en-US" dirty="0" smtClean="0">
+                <a:solidFill>
+                  <a:srgbClr val="9DF131"/>
+                </a:solidFill>
+              </a:rPr>
+              <a:t> &lt;port, port&gt;</a:t>
+            </a:r>
+          </a:p>
+          <a:p>
+            <a:pPr algn="just"/>
+            <a:r>
+              <a:rPr lang="en-US" dirty="0" smtClean="0"/>
+              <a:t>A variety of TCP/UDP ports separated by commas. Source and destination ports are assumed to be the same and they do not have to be within a range.</a:t>
+            </a:r>
+          </a:p>
+          <a:p>
+            <a:pPr marL="0" indent="0" algn="just">
+              <a:buNone/>
+            </a:pPr>
+            <a:r>
+              <a:rPr lang="en-US" dirty="0" smtClean="0">
+                <a:solidFill>
+                  <a:srgbClr val="9DF131"/>
+                </a:solidFill>
+              </a:rPr>
+              <a:t>-m multiport --ports &lt;port, port&gt;</a:t>
+            </a:r>
+          </a:p>
+          <a:p>
+            <a:pPr algn="just"/>
+            <a:r>
+              <a:rPr lang="en-US" dirty="0" smtClean="0"/>
+              <a:t>The most frequently tested states are:</a:t>
+            </a:r>
+          </a:p>
+          <a:p>
+            <a:pPr marL="0" indent="0" algn="just">
+              <a:buNone/>
+            </a:pPr>
+            <a:r>
+              <a:rPr lang="en-US" dirty="0" smtClean="0">
+                <a:solidFill>
+                  <a:srgbClr val="9DF131"/>
+                </a:solidFill>
+              </a:rPr>
+              <a:t>ESTABLISHED</a:t>
+            </a:r>
+            <a:r>
+              <a:rPr lang="en-US" dirty="0" smtClean="0"/>
+              <a:t>: the packet is part of a connection that has seen packets in both directions.</a:t>
+            </a:r>
+          </a:p>
+          <a:p>
+            <a:pPr marL="0" indent="0" algn="just">
+              <a:buNone/>
+            </a:pPr>
+            <a:r>
+              <a:rPr lang="en-US" dirty="0" smtClean="0">
+                <a:solidFill>
+                  <a:srgbClr val="9DF131"/>
+                </a:solidFill>
+              </a:rPr>
+              <a:t>NEW</a:t>
+            </a:r>
+            <a:r>
+              <a:rPr lang="en-US" dirty="0" smtClean="0"/>
+              <a:t>: the packet is the start of a new connection.</a:t>
+            </a:r>
+          </a:p>
+          <a:p>
+            <a:pPr marL="0" indent="0" algn="just">
+              <a:buNone/>
+            </a:pPr>
+            <a:r>
+              <a:rPr lang="en-US" dirty="0" smtClean="0">
+                <a:solidFill>
+                  <a:srgbClr val="9DF131"/>
+                </a:solidFill>
+              </a:rPr>
+              <a:t>RELATED</a:t>
+            </a:r>
+            <a:r>
+              <a:rPr lang="en-US" dirty="0" smtClean="0"/>
+              <a:t>: the packet is starting a new secondary connection. This is a common feature of such protocols such as an FTP data transfer, or an ICMP error.</a:t>
+            </a:r>
+          </a:p>
+          <a:p>
+            <a:pPr marL="0" indent="0" algn="just">
+              <a:buNone/>
+            </a:pPr>
+            <a:r>
+              <a:rPr lang="en-US" dirty="0" smtClean="0">
+                <a:solidFill>
+                  <a:srgbClr val="9DF131"/>
+                </a:solidFill>
+              </a:rPr>
+              <a:t>-m --state &lt;state&gt;</a:t>
+            </a:r>
+            <a:endParaRPr lang="en-US" dirty="0">
+              <a:solidFill>
+                <a:srgbClr val="9DF131"/>
+              </a:solidFill>
+            </a:endParaRPr>
           </a:p>
         </p:txBody>
       </p:sp>
     </p:spTree>
     <p:extLst>
       <p:ext uri="{BB962C8B-B14F-4D97-AF65-F5344CB8AC3E}">
-        <p14:creationId xmlns:p14="http://schemas.microsoft.com/office/powerpoint/2010/main" val="23448573"/>
+        <p14:creationId xmlns:p14="http://schemas.microsoft.com/office/powerpoint/2010/main" val="1803865783"/>
       </p:ext>
     </p:extLst>
   </p:cSld>

--- a/Presentation1.pptx
+++ b/Presentation1.pptx
@@ -115,6 +115,22 @@
       </a:defRPr>
     </a:lvl9pPr>
   </p:defaultTextStyle>
+  <p:extLst>
+    <p:ext uri="{EFAFB233-063F-42B5-8137-9DF3F51BA10A}">
+      <p15:sldGuideLst xmlns:p15="http://schemas.microsoft.com/office/powerpoint/2012/main">
+        <p15:guide id="1" orient="horz" pos="2160">
+          <p15:clr>
+            <a:srgbClr val="A4A3A4"/>
+          </p15:clr>
+        </p15:guide>
+        <p15:guide id="2" pos="2880">
+          <p15:clr>
+            <a:srgbClr val="A4A3A4"/>
+          </p15:clr>
+        </p15:guide>
+      </p15:sldGuideLst>
+    </p:ext>
+  </p:extLst>
 </p:presentation>
 </file>
 
@@ -353,7 +369,7 @@
           <a:p>
             <a:fld id="{D140825E-4A15-4D39-8176-1F07E904CB30}" type="datetimeFigureOut">
               <a:rPr lang="en-US" smtClean="0"/>
-              <a:t>5/13/14</a:t>
+              <a:t>5/13/2014</a:t>
             </a:fld>
             <a:endParaRPr lang="en-US"/>
           </a:p>
@@ -444,7 +460,7 @@
           <a:p>
             <a:fld id="{D140825E-4A15-4D39-8176-1F07E904CB30}" type="datetimeFigureOut">
               <a:rPr lang="en-US" smtClean="0"/>
-              <a:t>5/13/14</a:t>
+              <a:t>5/13/2014</a:t>
             </a:fld>
             <a:endParaRPr lang="en-US"/>
           </a:p>
@@ -747,7 +763,7 @@
           <a:p>
             <a:fld id="{D140825E-4A15-4D39-8176-1F07E904CB30}" type="datetimeFigureOut">
               <a:rPr lang="en-US" smtClean="0"/>
-              <a:t>5/13/14</a:t>
+              <a:t>5/13/2014</a:t>
             </a:fld>
             <a:endParaRPr lang="en-US"/>
           </a:p>
@@ -968,7 +984,7 @@
           <a:p>
             <a:fld id="{D140825E-4A15-4D39-8176-1F07E904CB30}" type="datetimeFigureOut">
               <a:rPr lang="en-US" smtClean="0"/>
-              <a:t>5/13/14</a:t>
+              <a:t>5/13/2014</a:t>
             </a:fld>
             <a:endParaRPr lang="en-US"/>
           </a:p>
@@ -1356,7 +1372,7 @@
           <a:p>
             <a:fld id="{D140825E-4A15-4D39-8176-1F07E904CB30}" type="datetimeFigureOut">
               <a:rPr lang="en-US" smtClean="0"/>
-              <a:t>5/13/14</a:t>
+              <a:t>5/13/2014</a:t>
             </a:fld>
             <a:endParaRPr lang="en-US"/>
           </a:p>
@@ -1664,7 +1680,7 @@
           <a:p>
             <a:fld id="{D140825E-4A15-4D39-8176-1F07E904CB30}" type="datetimeFigureOut">
               <a:rPr lang="en-US" smtClean="0"/>
-              <a:t>5/13/14</a:t>
+              <a:t>5/13/2014</a:t>
             </a:fld>
             <a:endParaRPr lang="en-US"/>
           </a:p>
@@ -1862,7 +1878,7 @@
           <a:p>
             <a:fld id="{D140825E-4A15-4D39-8176-1F07E904CB30}" type="datetimeFigureOut">
               <a:rPr lang="en-US" smtClean="0"/>
-              <a:t>5/13/14</a:t>
+              <a:t>5/13/2014</a:t>
             </a:fld>
             <a:endParaRPr lang="en-US"/>
           </a:p>
@@ -2065,7 +2081,7 @@
           <a:p>
             <a:fld id="{D140825E-4A15-4D39-8176-1F07E904CB30}" type="datetimeFigureOut">
               <a:rPr lang="en-US" smtClean="0"/>
-              <a:t>5/13/14</a:t>
+              <a:t>5/13/2014</a:t>
             </a:fld>
             <a:endParaRPr lang="en-US"/>
           </a:p>
@@ -2258,7 +2274,7 @@
           <a:p>
             <a:fld id="{D140825E-4A15-4D39-8176-1F07E904CB30}" type="datetimeFigureOut">
               <a:rPr lang="en-US" smtClean="0"/>
-              <a:t>5/13/14</a:t>
+              <a:t>5/13/2014</a:t>
             </a:fld>
             <a:endParaRPr lang="en-US"/>
           </a:p>
@@ -2530,7 +2546,7 @@
           <a:p>
             <a:fld id="{D140825E-4A15-4D39-8176-1F07E904CB30}" type="datetimeFigureOut">
               <a:rPr lang="en-US" smtClean="0"/>
-              <a:t>5/13/14</a:t>
+              <a:t>5/13/2014</a:t>
             </a:fld>
             <a:endParaRPr lang="en-US"/>
           </a:p>
@@ -2841,7 +2857,7 @@
           <a:p>
             <a:fld id="{D140825E-4A15-4D39-8176-1F07E904CB30}" type="datetimeFigureOut">
               <a:rPr lang="en-US" smtClean="0"/>
-              <a:t>5/13/14</a:t>
+              <a:t>5/13/2014</a:t>
             </a:fld>
             <a:endParaRPr lang="en-US"/>
           </a:p>
@@ -3307,7 +3323,7 @@
           <a:p>
             <a:fld id="{D140825E-4A15-4D39-8176-1F07E904CB30}" type="datetimeFigureOut">
               <a:rPr lang="en-US" smtClean="0"/>
-              <a:t>5/13/14</a:t>
+              <a:t>5/13/2014</a:t>
             </a:fld>
             <a:endParaRPr lang="en-US"/>
           </a:p>
@@ -3671,7 +3687,7 @@
           <a:p>
             <a:fld id="{D140825E-4A15-4D39-8176-1F07E904CB30}" type="datetimeFigureOut">
               <a:rPr lang="en-US" smtClean="0"/>
-              <a:t>5/13/14</a:t>
+              <a:t>5/13/2014</a:t>
             </a:fld>
             <a:endParaRPr lang="en-US"/>
           </a:p>
@@ -3982,7 +3998,7 @@
           <a:p>
             <a:fld id="{D140825E-4A15-4D39-8176-1F07E904CB30}" type="datetimeFigureOut">
               <a:rPr lang="en-US" smtClean="0"/>
-              <a:t>5/13/14</a:t>
+              <a:t>5/13/2014</a:t>
             </a:fld>
             <a:endParaRPr lang="en-US"/>
           </a:p>
@@ -4293,7 +4309,7 @@
           <a:p>
             <a:fld id="{D140825E-4A15-4D39-8176-1F07E904CB30}" type="datetimeFigureOut">
               <a:rPr lang="en-US" smtClean="0"/>
-              <a:t>5/13/14</a:t>
+              <a:t>5/13/2014</a:t>
             </a:fld>
             <a:endParaRPr lang="en-US"/>
           </a:p>
@@ -4778,7 +4794,7 @@
           <a:p>
             <a:fld id="{D140825E-4A15-4D39-8176-1F07E904CB30}" type="datetimeFigureOut">
               <a:rPr lang="en-US" smtClean="0"/>
-              <a:t>5/13/14</a:t>
+              <a:t>5/13/2014</a:t>
             </a:fld>
             <a:endParaRPr lang="en-US"/>
           </a:p>
@@ -5041,7 +5057,7 @@
           <a:p>
             <a:fld id="{D140825E-4A15-4D39-8176-1F07E904CB30}" type="datetimeFigureOut">
               <a:rPr lang="en-US" smtClean="0"/>
-              <a:t>5/13/14</a:t>
+              <a:t>5/13/2014</a:t>
             </a:fld>
             <a:endParaRPr lang="en-US"/>
           </a:p>
@@ -5445,6 +5461,13 @@
   <p:clrMapOvr>
     <a:masterClrMapping/>
   </p:clrMapOvr>
+  <p:timing>
+    <p:tnLst>
+      <p:par>
+        <p:cTn id="1" dur="indefinite" restart="never" nodeType="tmRoot"/>
+      </p:par>
+    </p:tnLst>
+  </p:timing>
 </p:sld>
 </file>
 
@@ -5658,6 +5681,13 @@
   <p:clrMapOvr>
     <a:masterClrMapping/>
   </p:clrMapOvr>
+  <p:timing>
+    <p:tnLst>
+      <p:par>
+        <p:cTn id="1" dur="indefinite" restart="never" nodeType="tmRoot"/>
+      </p:par>
+    </p:tnLst>
+  </p:timing>
 </p:sld>
 </file>
 
@@ -5933,6 +5963,13 @@
   <p:clrMapOvr>
     <a:masterClrMapping/>
   </p:clrMapOvr>
+  <p:timing>
+    <p:tnLst>
+      <p:par>
+        <p:cTn id="1" dur="indefinite" restart="never" nodeType="tmRoot"/>
+      </p:par>
+    </p:tnLst>
+  </p:timing>
 </p:sld>
 </file>
 
@@ -6171,6 +6208,13 @@
   <p:clrMapOvr>
     <a:masterClrMapping/>
   </p:clrMapOvr>
+  <p:timing>
+    <p:tnLst>
+      <p:par>
+        <p:cTn id="1" dur="indefinite" restart="never" nodeType="tmRoot"/>
+      </p:par>
+    </p:tnLst>
+  </p:timing>
 </p:sld>
 </file>
 
@@ -6533,6 +6577,13 @@
   <p:clrMapOvr>
     <a:masterClrMapping/>
   </p:clrMapOvr>
+  <p:timing>
+    <p:tnLst>
+      <p:par>
+        <p:cTn id="1" dur="indefinite" restart="never" nodeType="tmRoot"/>
+      </p:par>
+    </p:tnLst>
+  </p:timing>
 </p:sld>
 </file>
 
@@ -6602,13 +6653,13 @@
         </p:nvSpPr>
         <p:spPr>
           <a:xfrm>
-            <a:off x="593793" y="1425389"/>
-            <a:ext cx="7966723" cy="4842898"/>
+            <a:off x="593793" y="1425388"/>
+            <a:ext cx="7966723" cy="5002707"/>
           </a:xfrm>
         </p:spPr>
         <p:txBody>
           <a:bodyPr>
-            <a:normAutofit fontScale="70000" lnSpcReduction="20000"/>
+            <a:normAutofit fontScale="62500" lnSpcReduction="20000"/>
           </a:bodyPr>
           <a:lstStyle/>
           <a:p>
@@ -6639,15 +6690,19 @@
             <a:pPr algn="just"/>
             <a:r>
               <a:rPr lang="en-US" dirty="0" smtClean="0"/>
-              <a:t>The second table is the filter queue which is responsible for packet filtering. It has three built-in </a:t>
-            </a:r>
-            <a:r>
-              <a:rPr lang="en-US" dirty="0" err="1" smtClean="0"/>
-              <a:t>chanins</a:t>
-            </a:r>
-            <a:r>
-              <a:rPr lang="en-US" dirty="0" smtClean="0"/>
-              <a:t> in which you can place your firewall policy rules.</a:t>
+              <a:t>The second table is the filter queue which is responsible for packet filtering. It has three </a:t>
+            </a:r>
+            <a:r>
+              <a:rPr lang="en-US" smtClean="0"/>
+              <a:t>built-in </a:t>
+            </a:r>
+            <a:r>
+              <a:rPr lang="en-US" smtClean="0"/>
+              <a:t>chains </a:t>
+            </a:r>
+            <a:r>
+              <a:rPr lang="en-US" dirty="0" smtClean="0"/>
+              <a:t>in which you can place your firewall policy rules.</a:t>
             </a:r>
           </a:p>
           <a:p>
@@ -6720,8 +6775,26 @@
             </a:pPr>
             <a:r>
               <a:rPr lang="en-US" dirty="0" smtClean="0"/>
-              <a:t>Pre-routing chain: NATs packets when the source address of the packet needs to be changed.</a:t>
-            </a:r>
+              <a:t>Pre-routing chain: NATs packets when the source address of the packet needs to be </a:t>
+            </a:r>
+            <a:r>
+              <a:rPr lang="en-US" smtClean="0"/>
+              <a:t>changed</a:t>
+            </a:r>
+            <a:r>
+              <a:rPr lang="en-US" smtClean="0"/>
+              <a:t>.</a:t>
+            </a:r>
+          </a:p>
+          <a:p>
+            <a:pPr marL="0" indent="0" algn="just">
+              <a:buNone/>
+            </a:pPr>
+            <a:r>
+              <a:rPr lang="en-US" smtClean="0"/>
+              <a:t>Post-routing chain: NATs packets when the source address of the packet needs to be changed.</a:t>
+            </a:r>
+            <a:endParaRPr lang="en-US" dirty="0" smtClean="0"/>
           </a:p>
         </p:txBody>
       </p:sp>
@@ -6735,6 +6808,13 @@
   <p:clrMapOvr>
     <a:masterClrMapping/>
   </p:clrMapOvr>
+  <p:timing>
+    <p:tnLst>
+      <p:par>
+        <p:cTn id="1" dur="indefinite" restart="never" nodeType="tmRoot"/>
+      </p:par>
+    </p:tnLst>
+  </p:timing>
 </p:sld>
 </file>
 
@@ -6966,6 +7046,13 @@
   <p:clrMapOvr>
     <a:masterClrMapping/>
   </p:clrMapOvr>
+  <p:timing>
+    <p:tnLst>
+      <p:par>
+        <p:cTn id="1" dur="indefinite" restart="never" nodeType="tmRoot"/>
+      </p:par>
+    </p:tnLst>
+  </p:timing>
 </p:sld>
 </file>
 
@@ -7189,6 +7276,13 @@
   <p:clrMapOvr>
     <a:masterClrMapping/>
   </p:clrMapOvr>
+  <p:timing>
+    <p:tnLst>
+      <p:par>
+        <p:cTn id="1" dur="indefinite" restart="never" nodeType="tmRoot"/>
+      </p:par>
+    </p:tnLst>
+  </p:timing>
 </p:sld>
 </file>
 
@@ -7382,6 +7476,13 @@
   <p:clrMapOvr>
     <a:masterClrMapping/>
   </p:clrMapOvr>
+  <p:timing>
+    <p:tnLst>
+      <p:par>
+        <p:cTn id="1" dur="indefinite" restart="never" nodeType="tmRoot"/>
+      </p:par>
+    </p:tnLst>
+  </p:timing>
 </p:sld>
 </file>
 
@@ -7666,6 +7767,13 @@
   <p:clrMapOvr>
     <a:masterClrMapping/>
   </p:clrMapOvr>
+  <p:timing>
+    <p:tnLst>
+      <p:par>
+        <p:cTn id="1" dur="indefinite" restart="never" nodeType="tmRoot"/>
+      </p:par>
+    </p:tnLst>
+  </p:timing>
 </p:sld>
 </file>
 
@@ -7874,6 +7982,13 @@
   <p:clrMapOvr>
     <a:masterClrMapping/>
   </p:clrMapOvr>
+  <p:timing>
+    <p:tnLst>
+      <p:par>
+        <p:cTn id="1" dur="indefinite" restart="never" nodeType="tmRoot"/>
+      </p:par>
+    </p:tnLst>
+  </p:timing>
 </p:sld>
 </file>
 
@@ -8115,6 +8230,13 @@
   <p:clrMapOvr>
     <a:masterClrMapping/>
   </p:clrMapOvr>
+  <p:timing>
+    <p:tnLst>
+      <p:par>
+        <p:cTn id="1" dur="indefinite" restart="never" nodeType="tmRoot"/>
+      </p:par>
+    </p:tnLst>
+  </p:timing>
 </p:sld>
 </file>
 
